--- a/Econ/PPT/S13_Lecture_25.pptx
+++ b/Econ/PPT/S13_Lecture_25.pptx
@@ -4,25 +4,24 @@
   <p:sldMasterIdLst>
     <p:sldMasterId id="2147483648" r:id="rId2"/>
     <p:sldMasterId id="2147483661" r:id="rId3"/>
-    <p:sldMasterId id="2147483674" r:id="rId4"/>
   </p:sldMasterIdLst>
   <p:sldIdLst>
-    <p:sldId id="256" r:id="rId5"/>
-    <p:sldId id="257" r:id="rId6"/>
-    <p:sldId id="258" r:id="rId7"/>
-    <p:sldId id="259" r:id="rId8"/>
-    <p:sldId id="260" r:id="rId9"/>
-    <p:sldId id="261" r:id="rId10"/>
-    <p:sldId id="262" r:id="rId11"/>
-    <p:sldId id="263" r:id="rId12"/>
-    <p:sldId id="264" r:id="rId13"/>
-    <p:sldId id="265" r:id="rId14"/>
-    <p:sldId id="266" r:id="rId15"/>
-    <p:sldId id="267" r:id="rId16"/>
-    <p:sldId id="268" r:id="rId17"/>
-    <p:sldId id="269" r:id="rId18"/>
-    <p:sldId id="270" r:id="rId19"/>
-    <p:sldId id="271" r:id="rId20"/>
+    <p:sldId id="256" r:id="rId4"/>
+    <p:sldId id="257" r:id="rId5"/>
+    <p:sldId id="258" r:id="rId6"/>
+    <p:sldId id="259" r:id="rId7"/>
+    <p:sldId id="260" r:id="rId8"/>
+    <p:sldId id="261" r:id="rId9"/>
+    <p:sldId id="262" r:id="rId10"/>
+    <p:sldId id="263" r:id="rId11"/>
+    <p:sldId id="264" r:id="rId12"/>
+    <p:sldId id="265" r:id="rId13"/>
+    <p:sldId id="266" r:id="rId14"/>
+    <p:sldId id="267" r:id="rId15"/>
+    <p:sldId id="268" r:id="rId16"/>
+    <p:sldId id="269" r:id="rId17"/>
+    <p:sldId id="270" r:id="rId18"/>
+    <p:sldId id="271" r:id="rId19"/>
   </p:sldIdLst>
   <p:sldSz cx="9144000" cy="6858000"/>
   <p:notesSz cx="7772400" cy="10058400"/>
@@ -70,7 +69,7 @@
       </p:grpSpPr>
       <p:sp>
         <p:nvSpPr>
-          <p:cNvPr id="30" name="PlaceHolder 1"/>
+          <p:cNvPr id="23" name="PlaceHolder 1"/>
           <p:cNvSpPr>
             <a:spLocks noGrp="1"/>
           </p:cNvSpPr>
@@ -80,7 +79,7 @@
         </p:nvSpPr>
         <p:spPr>
           <a:xfrm>
-            <a:off x="457200" y="273240"/>
+            <a:off x="457200" y="273600"/>
             <a:ext cx="8229240" cy="1145160"/>
           </a:xfrm>
           <a:prstGeom prst="rect">
@@ -97,7 +96,7 @@
       </p:sp>
       <p:sp>
         <p:nvSpPr>
-          <p:cNvPr id="31" name="PlaceHolder 2"/>
+          <p:cNvPr id="24" name="PlaceHolder 2"/>
           <p:cNvSpPr>
             <a:spLocks noGrp="1"/>
           </p:cNvSpPr>
@@ -108,7 +107,7 @@
         <p:spPr>
           <a:xfrm>
             <a:off x="457200" y="1604520"/>
-            <a:ext cx="8229240" cy="1896840"/>
+            <a:ext cx="8046360" cy="1896840"/>
           </a:xfrm>
           <a:prstGeom prst="rect">
             <a:avLst/>
@@ -123,7 +122,7 @@
       </p:sp>
       <p:sp>
         <p:nvSpPr>
-          <p:cNvPr id="32" name="PlaceHolder 3"/>
+          <p:cNvPr id="25" name="PlaceHolder 3"/>
           <p:cNvSpPr>
             <a:spLocks noGrp="1"/>
           </p:cNvSpPr>
@@ -134,7 +133,7 @@
         <p:spPr>
           <a:xfrm>
             <a:off x="457200" y="3681720"/>
-            <a:ext cx="8229240" cy="1896840"/>
+            <a:ext cx="8046360" cy="1896840"/>
           </a:xfrm>
           <a:prstGeom prst="rect">
             <a:avLst/>
@@ -171,7 +170,7 @@
       </p:grpSpPr>
       <p:sp>
         <p:nvSpPr>
-          <p:cNvPr id="33" name="PlaceHolder 1"/>
+          <p:cNvPr id="26" name="PlaceHolder 1"/>
           <p:cNvSpPr>
             <a:spLocks noGrp="1"/>
           </p:cNvSpPr>
@@ -181,7 +180,7 @@
         </p:nvSpPr>
         <p:spPr>
           <a:xfrm>
-            <a:off x="457200" y="273240"/>
+            <a:off x="457200" y="273600"/>
             <a:ext cx="8229240" cy="1145160"/>
           </a:xfrm>
           <a:prstGeom prst="rect">
@@ -198,7 +197,7 @@
       </p:sp>
       <p:sp>
         <p:nvSpPr>
-          <p:cNvPr id="34" name="PlaceHolder 2"/>
+          <p:cNvPr id="27" name="PlaceHolder 2"/>
           <p:cNvSpPr>
             <a:spLocks noGrp="1"/>
           </p:cNvSpPr>
@@ -209,7 +208,7 @@
         <p:spPr>
           <a:xfrm>
             <a:off x="457200" y="1604520"/>
-            <a:ext cx="4015440" cy="1896840"/>
+            <a:ext cx="3926160" cy="1896840"/>
           </a:xfrm>
           <a:prstGeom prst="rect">
             <a:avLst/>
@@ -224,7 +223,7 @@
       </p:sp>
       <p:sp>
         <p:nvSpPr>
-          <p:cNvPr id="35" name="PlaceHolder 3"/>
+          <p:cNvPr id="28" name="PlaceHolder 3"/>
           <p:cNvSpPr>
             <a:spLocks noGrp="1"/>
           </p:cNvSpPr>
@@ -234,8 +233,8 @@
         </p:nvSpPr>
         <p:spPr>
           <a:xfrm>
-            <a:off x="4673520" y="1604520"/>
-            <a:ext cx="4015440" cy="1896840"/>
+            <a:off x="4579920" y="1604520"/>
+            <a:ext cx="3926160" cy="1896840"/>
           </a:xfrm>
           <a:prstGeom prst="rect">
             <a:avLst/>
@@ -250,7 +249,7 @@
       </p:sp>
       <p:sp>
         <p:nvSpPr>
-          <p:cNvPr id="36" name="PlaceHolder 4"/>
+          <p:cNvPr id="29" name="PlaceHolder 4"/>
           <p:cNvSpPr>
             <a:spLocks noGrp="1"/>
           </p:cNvSpPr>
@@ -260,8 +259,8 @@
         </p:nvSpPr>
         <p:spPr>
           <a:xfrm>
-            <a:off x="4673520" y="3681720"/>
-            <a:ext cx="4015440" cy="1896840"/>
+            <a:off x="4579920" y="3681720"/>
+            <a:ext cx="3926160" cy="1896840"/>
           </a:xfrm>
           <a:prstGeom prst="rect">
             <a:avLst/>
@@ -276,7 +275,7 @@
       </p:sp>
       <p:sp>
         <p:nvSpPr>
-          <p:cNvPr id="37" name="PlaceHolder 5"/>
+          <p:cNvPr id="30" name="PlaceHolder 5"/>
           <p:cNvSpPr>
             <a:spLocks noGrp="1"/>
           </p:cNvSpPr>
@@ -287,7 +286,7 @@
         <p:spPr>
           <a:xfrm>
             <a:off x="457200" y="3681720"/>
-            <a:ext cx="4015440" cy="1896840"/>
+            <a:ext cx="3926160" cy="1896840"/>
           </a:xfrm>
           <a:prstGeom prst="rect">
             <a:avLst/>
@@ -324,7 +323,7 @@
       </p:grpSpPr>
       <p:sp>
         <p:nvSpPr>
-          <p:cNvPr id="38" name="PlaceHolder 1"/>
+          <p:cNvPr id="31" name="PlaceHolder 1"/>
           <p:cNvSpPr>
             <a:spLocks noGrp="1"/>
           </p:cNvSpPr>
@@ -334,7 +333,7 @@
         </p:nvSpPr>
         <p:spPr>
           <a:xfrm>
-            <a:off x="457200" y="273240"/>
+            <a:off x="457200" y="273600"/>
             <a:ext cx="8229240" cy="1145160"/>
           </a:xfrm>
           <a:prstGeom prst="rect">
@@ -351,7 +350,7 @@
       </p:sp>
       <p:sp>
         <p:nvSpPr>
-          <p:cNvPr id="39" name="PlaceHolder 2"/>
+          <p:cNvPr id="32" name="PlaceHolder 2"/>
           <p:cNvSpPr>
             <a:spLocks noGrp="1"/>
           </p:cNvSpPr>
@@ -362,7 +361,7 @@
         <p:spPr>
           <a:xfrm>
             <a:off x="457200" y="1604520"/>
-            <a:ext cx="4015440" cy="1896840"/>
+            <a:ext cx="3926160" cy="1896840"/>
           </a:xfrm>
           <a:prstGeom prst="rect">
             <a:avLst/>
@@ -377,7 +376,7 @@
       </p:sp>
       <p:sp>
         <p:nvSpPr>
-          <p:cNvPr id="40" name="PlaceHolder 3"/>
+          <p:cNvPr id="33" name="PlaceHolder 3"/>
           <p:cNvSpPr>
             <a:spLocks noGrp="1"/>
           </p:cNvSpPr>
@@ -387,8 +386,8 @@
         </p:nvSpPr>
         <p:spPr>
           <a:xfrm>
-            <a:off x="4673520" y="1604520"/>
-            <a:ext cx="4015440" cy="1896840"/>
+            <a:off x="4579920" y="1604520"/>
+            <a:ext cx="3926160" cy="1896840"/>
           </a:xfrm>
           <a:prstGeom prst="rect">
             <a:avLst/>
@@ -447,7 +446,7 @@
       </p:grpSpPr>
       <p:sp>
         <p:nvSpPr>
-          <p:cNvPr id="50" name="PlaceHolder 1"/>
+          <p:cNvPr id="36" name="PlaceHolder 1"/>
           <p:cNvSpPr>
             <a:spLocks noGrp="1"/>
           </p:cNvSpPr>
@@ -457,7 +456,7 @@
         </p:nvSpPr>
         <p:spPr>
           <a:xfrm>
-            <a:off x="457200" y="273240"/>
+            <a:off x="457200" y="273600"/>
             <a:ext cx="8229240" cy="1145160"/>
           </a:xfrm>
           <a:prstGeom prst="rect">
@@ -474,7 +473,7 @@
       </p:sp>
       <p:sp>
         <p:nvSpPr>
-          <p:cNvPr id="51" name="PlaceHolder 2"/>
+          <p:cNvPr id="37" name="PlaceHolder 2"/>
           <p:cNvSpPr>
             <a:spLocks noGrp="1"/>
           </p:cNvSpPr>
@@ -485,7 +484,7 @@
         <p:spPr>
           <a:xfrm>
             <a:off x="457200" y="1604520"/>
-            <a:ext cx="8229240" cy="3977640"/>
+            <a:ext cx="8046360" cy="3977640"/>
           </a:xfrm>
           <a:prstGeom prst="rect">
             <a:avLst/>
@@ -523,7 +522,7 @@
       </p:grpSpPr>
       <p:sp>
         <p:nvSpPr>
-          <p:cNvPr id="52" name="PlaceHolder 1"/>
+          <p:cNvPr id="38" name="PlaceHolder 1"/>
           <p:cNvSpPr>
             <a:spLocks noGrp="1"/>
           </p:cNvSpPr>
@@ -533,7 +532,7 @@
         </p:nvSpPr>
         <p:spPr>
           <a:xfrm>
-            <a:off x="457200" y="273240"/>
+            <a:off x="457200" y="273600"/>
             <a:ext cx="8229240" cy="1145160"/>
           </a:xfrm>
           <a:prstGeom prst="rect">
@@ -550,7 +549,7 @@
       </p:sp>
       <p:sp>
         <p:nvSpPr>
-          <p:cNvPr id="53" name="PlaceHolder 2"/>
+          <p:cNvPr id="39" name="PlaceHolder 2"/>
           <p:cNvSpPr>
             <a:spLocks noGrp="1"/>
           </p:cNvSpPr>
@@ -561,7 +560,7 @@
         <p:spPr>
           <a:xfrm>
             <a:off x="457200" y="1604520"/>
-            <a:ext cx="8229240" cy="3977280"/>
+            <a:ext cx="8046360" cy="3977280"/>
           </a:xfrm>
           <a:prstGeom prst="rect">
             <a:avLst/>
@@ -598,7 +597,7 @@
       </p:grpSpPr>
       <p:sp>
         <p:nvSpPr>
-          <p:cNvPr id="54" name="PlaceHolder 1"/>
+          <p:cNvPr id="40" name="PlaceHolder 1"/>
           <p:cNvSpPr>
             <a:spLocks noGrp="1"/>
           </p:cNvSpPr>
@@ -608,7 +607,7 @@
         </p:nvSpPr>
         <p:spPr>
           <a:xfrm>
-            <a:off x="457200" y="273240"/>
+            <a:off x="457200" y="273600"/>
             <a:ext cx="8229240" cy="1145160"/>
           </a:xfrm>
           <a:prstGeom prst="rect">
@@ -625,7 +624,7 @@
       </p:sp>
       <p:sp>
         <p:nvSpPr>
-          <p:cNvPr id="55" name="PlaceHolder 2"/>
+          <p:cNvPr id="41" name="PlaceHolder 2"/>
           <p:cNvSpPr>
             <a:spLocks noGrp="1"/>
           </p:cNvSpPr>
@@ -636,7 +635,7 @@
         <p:spPr>
           <a:xfrm>
             <a:off x="457200" y="1604520"/>
-            <a:ext cx="4015440" cy="3977280"/>
+            <a:ext cx="3926160" cy="3977280"/>
           </a:xfrm>
           <a:prstGeom prst="rect">
             <a:avLst/>
@@ -651,7 +650,7 @@
       </p:sp>
       <p:sp>
         <p:nvSpPr>
-          <p:cNvPr id="56" name="PlaceHolder 3"/>
+          <p:cNvPr id="42" name="PlaceHolder 3"/>
           <p:cNvSpPr>
             <a:spLocks noGrp="1"/>
           </p:cNvSpPr>
@@ -661,8 +660,8 @@
         </p:nvSpPr>
         <p:spPr>
           <a:xfrm>
-            <a:off x="4673520" y="1604520"/>
-            <a:ext cx="4015440" cy="3977280"/>
+            <a:off x="4579920" y="1604520"/>
+            <a:ext cx="3926160" cy="3977280"/>
           </a:xfrm>
           <a:prstGeom prst="rect">
             <a:avLst/>
@@ -699,7 +698,7 @@
       </p:grpSpPr>
       <p:sp>
         <p:nvSpPr>
-          <p:cNvPr id="57" name="PlaceHolder 1"/>
+          <p:cNvPr id="43" name="PlaceHolder 1"/>
           <p:cNvSpPr>
             <a:spLocks noGrp="1"/>
           </p:cNvSpPr>
@@ -709,7 +708,7 @@
         </p:nvSpPr>
         <p:spPr>
           <a:xfrm>
-            <a:off x="457200" y="273240"/>
+            <a:off x="457200" y="273600"/>
             <a:ext cx="8229240" cy="1145160"/>
           </a:xfrm>
           <a:prstGeom prst="rect">
@@ -748,7 +747,7 @@
       </p:grpSpPr>
       <p:sp>
         <p:nvSpPr>
-          <p:cNvPr id="58" name="PlaceHolder 1"/>
+          <p:cNvPr id="44" name="PlaceHolder 1"/>
           <p:cNvSpPr>
             <a:spLocks noGrp="1"/>
           </p:cNvSpPr>
@@ -758,8 +757,8 @@
         </p:nvSpPr>
         <p:spPr>
           <a:xfrm>
-            <a:off x="457200" y="273240"/>
-            <a:ext cx="8229240" cy="5308560"/>
+            <a:off x="457200" y="273600"/>
+            <a:ext cx="8229240" cy="5308200"/>
           </a:xfrm>
           <a:prstGeom prst="rect">
             <a:avLst/>
@@ -797,7 +796,7 @@
       </p:grpSpPr>
       <p:sp>
         <p:nvSpPr>
-          <p:cNvPr id="59" name="PlaceHolder 1"/>
+          <p:cNvPr id="45" name="PlaceHolder 1"/>
           <p:cNvSpPr>
             <a:spLocks noGrp="1"/>
           </p:cNvSpPr>
@@ -807,7 +806,7 @@
         </p:nvSpPr>
         <p:spPr>
           <a:xfrm>
-            <a:off x="457200" y="273240"/>
+            <a:off x="457200" y="273600"/>
             <a:ext cx="8229240" cy="1145160"/>
           </a:xfrm>
           <a:prstGeom prst="rect">
@@ -824,7 +823,7 @@
       </p:sp>
       <p:sp>
         <p:nvSpPr>
-          <p:cNvPr id="60" name="PlaceHolder 2"/>
+          <p:cNvPr id="46" name="PlaceHolder 2"/>
           <p:cNvSpPr>
             <a:spLocks noGrp="1"/>
           </p:cNvSpPr>
@@ -835,7 +834,7 @@
         <p:spPr>
           <a:xfrm>
             <a:off x="457200" y="1604520"/>
-            <a:ext cx="4015440" cy="1896840"/>
+            <a:ext cx="3926160" cy="1896840"/>
           </a:xfrm>
           <a:prstGeom prst="rect">
             <a:avLst/>
@@ -850,7 +849,7 @@
       </p:sp>
       <p:sp>
         <p:nvSpPr>
-          <p:cNvPr id="61" name="PlaceHolder 3"/>
+          <p:cNvPr id="47" name="PlaceHolder 3"/>
           <p:cNvSpPr>
             <a:spLocks noGrp="1"/>
           </p:cNvSpPr>
@@ -861,7 +860,7 @@
         <p:spPr>
           <a:xfrm>
             <a:off x="457200" y="3681720"/>
-            <a:ext cx="4015440" cy="1896840"/>
+            <a:ext cx="3926160" cy="1896840"/>
           </a:xfrm>
           <a:prstGeom prst="rect">
             <a:avLst/>
@@ -876,7 +875,7 @@
       </p:sp>
       <p:sp>
         <p:nvSpPr>
-          <p:cNvPr id="62" name="PlaceHolder 4"/>
+          <p:cNvPr id="48" name="PlaceHolder 4"/>
           <p:cNvSpPr>
             <a:spLocks noGrp="1"/>
           </p:cNvSpPr>
@@ -886,8 +885,8 @@
         </p:nvSpPr>
         <p:spPr>
           <a:xfrm>
-            <a:off x="4673520" y="1604520"/>
-            <a:ext cx="4015440" cy="3977280"/>
+            <a:off x="4579920" y="1604520"/>
+            <a:ext cx="3926160" cy="3977280"/>
           </a:xfrm>
           <a:prstGeom prst="rect">
             <a:avLst/>
@@ -924,7 +923,7 @@
       </p:grpSpPr>
       <p:sp>
         <p:nvSpPr>
-          <p:cNvPr id="9" name="PlaceHolder 1"/>
+          <p:cNvPr id="2" name="PlaceHolder 1"/>
           <p:cNvSpPr>
             <a:spLocks noGrp="1"/>
           </p:cNvSpPr>
@@ -934,7 +933,7 @@
         </p:nvSpPr>
         <p:spPr>
           <a:xfrm>
-            <a:off x="457200" y="273240"/>
+            <a:off x="457200" y="273600"/>
             <a:ext cx="8229240" cy="1145160"/>
           </a:xfrm>
           <a:prstGeom prst="rect">
@@ -951,7 +950,7 @@
       </p:sp>
       <p:sp>
         <p:nvSpPr>
-          <p:cNvPr id="10" name="PlaceHolder 2"/>
+          <p:cNvPr id="3" name="PlaceHolder 2"/>
           <p:cNvSpPr>
             <a:spLocks noGrp="1"/>
           </p:cNvSpPr>
@@ -962,7 +961,7 @@
         <p:spPr>
           <a:xfrm>
             <a:off x="457200" y="1604520"/>
-            <a:ext cx="8229240" cy="3977640"/>
+            <a:ext cx="8046360" cy="3977640"/>
           </a:xfrm>
           <a:prstGeom prst="rect">
             <a:avLst/>
@@ -1000,7 +999,7 @@
       </p:grpSpPr>
       <p:sp>
         <p:nvSpPr>
-          <p:cNvPr id="63" name="PlaceHolder 1"/>
+          <p:cNvPr id="49" name="PlaceHolder 1"/>
           <p:cNvSpPr>
             <a:spLocks noGrp="1"/>
           </p:cNvSpPr>
@@ -1010,7 +1009,7 @@
         </p:nvSpPr>
         <p:spPr>
           <a:xfrm>
-            <a:off x="457200" y="273240"/>
+            <a:off x="457200" y="273600"/>
             <a:ext cx="8229240" cy="1145160"/>
           </a:xfrm>
           <a:prstGeom prst="rect">
@@ -1027,7 +1026,7 @@
       </p:sp>
       <p:sp>
         <p:nvSpPr>
-          <p:cNvPr id="64" name="PlaceHolder 2"/>
+          <p:cNvPr id="50" name="PlaceHolder 2"/>
           <p:cNvSpPr>
             <a:spLocks noGrp="1"/>
           </p:cNvSpPr>
@@ -1038,7 +1037,7 @@
         <p:spPr>
           <a:xfrm>
             <a:off x="457200" y="1604520"/>
-            <a:ext cx="4015440" cy="3977280"/>
+            <a:ext cx="3926160" cy="3977280"/>
           </a:xfrm>
           <a:prstGeom prst="rect">
             <a:avLst/>
@@ -1053,7 +1052,7 @@
       </p:sp>
       <p:sp>
         <p:nvSpPr>
-          <p:cNvPr id="65" name="PlaceHolder 3"/>
+          <p:cNvPr id="51" name="PlaceHolder 3"/>
           <p:cNvSpPr>
             <a:spLocks noGrp="1"/>
           </p:cNvSpPr>
@@ -1063,8 +1062,8 @@
         </p:nvSpPr>
         <p:spPr>
           <a:xfrm>
-            <a:off x="4673520" y="1604520"/>
-            <a:ext cx="4015440" cy="1896840"/>
+            <a:off x="4579920" y="1604520"/>
+            <a:ext cx="3926160" cy="1896840"/>
           </a:xfrm>
           <a:prstGeom prst="rect">
             <a:avLst/>
@@ -1079,7 +1078,7 @@
       </p:sp>
       <p:sp>
         <p:nvSpPr>
-          <p:cNvPr id="66" name="PlaceHolder 4"/>
+          <p:cNvPr id="52" name="PlaceHolder 4"/>
           <p:cNvSpPr>
             <a:spLocks noGrp="1"/>
           </p:cNvSpPr>
@@ -1089,8 +1088,8 @@
         </p:nvSpPr>
         <p:spPr>
           <a:xfrm>
-            <a:off x="4673520" y="3681720"/>
-            <a:ext cx="4015440" cy="1896840"/>
+            <a:off x="4579920" y="3681720"/>
+            <a:ext cx="3926160" cy="1896840"/>
           </a:xfrm>
           <a:prstGeom prst="rect">
             <a:avLst/>
@@ -1127,7 +1126,7 @@
       </p:grpSpPr>
       <p:sp>
         <p:nvSpPr>
-          <p:cNvPr id="67" name="PlaceHolder 1"/>
+          <p:cNvPr id="53" name="PlaceHolder 1"/>
           <p:cNvSpPr>
             <a:spLocks noGrp="1"/>
           </p:cNvSpPr>
@@ -1137,7 +1136,7 @@
         </p:nvSpPr>
         <p:spPr>
           <a:xfrm>
-            <a:off x="457200" y="273240"/>
+            <a:off x="457200" y="273600"/>
             <a:ext cx="8229240" cy="1145160"/>
           </a:xfrm>
           <a:prstGeom prst="rect">
@@ -1154,7 +1153,7 @@
       </p:sp>
       <p:sp>
         <p:nvSpPr>
-          <p:cNvPr id="68" name="PlaceHolder 2"/>
+          <p:cNvPr id="54" name="PlaceHolder 2"/>
           <p:cNvSpPr>
             <a:spLocks noGrp="1"/>
           </p:cNvSpPr>
@@ -1165,7 +1164,7 @@
         <p:spPr>
           <a:xfrm>
             <a:off x="457200" y="1604520"/>
-            <a:ext cx="4015440" cy="1896840"/>
+            <a:ext cx="3926160" cy="1896840"/>
           </a:xfrm>
           <a:prstGeom prst="rect">
             <a:avLst/>
@@ -1180,7 +1179,7 @@
       </p:sp>
       <p:sp>
         <p:nvSpPr>
-          <p:cNvPr id="69" name="PlaceHolder 3"/>
+          <p:cNvPr id="55" name="PlaceHolder 3"/>
           <p:cNvSpPr>
             <a:spLocks noGrp="1"/>
           </p:cNvSpPr>
@@ -1190,8 +1189,8 @@
         </p:nvSpPr>
         <p:spPr>
           <a:xfrm>
-            <a:off x="4673520" y="1604520"/>
-            <a:ext cx="4015440" cy="1896840"/>
+            <a:off x="4579920" y="1604520"/>
+            <a:ext cx="3926160" cy="1896840"/>
           </a:xfrm>
           <a:prstGeom prst="rect">
             <a:avLst/>
@@ -1206,7 +1205,7 @@
       </p:sp>
       <p:sp>
         <p:nvSpPr>
-          <p:cNvPr id="70" name="PlaceHolder 4"/>
+          <p:cNvPr id="56" name="PlaceHolder 4"/>
           <p:cNvSpPr>
             <a:spLocks noGrp="1"/>
           </p:cNvSpPr>
@@ -1217,7 +1216,7 @@
         <p:spPr>
           <a:xfrm>
             <a:off x="457200" y="3681720"/>
-            <a:ext cx="8228520" cy="1896840"/>
+            <a:ext cx="8045640" cy="1896840"/>
           </a:xfrm>
           <a:prstGeom prst="rect">
             <a:avLst/>
@@ -1254,7 +1253,7 @@
       </p:grpSpPr>
       <p:sp>
         <p:nvSpPr>
-          <p:cNvPr id="71" name="PlaceHolder 1"/>
+          <p:cNvPr id="57" name="PlaceHolder 1"/>
           <p:cNvSpPr>
             <a:spLocks noGrp="1"/>
           </p:cNvSpPr>
@@ -1264,7 +1263,7 @@
         </p:nvSpPr>
         <p:spPr>
           <a:xfrm>
-            <a:off x="457200" y="273240"/>
+            <a:off x="457200" y="273600"/>
             <a:ext cx="8229240" cy="1145160"/>
           </a:xfrm>
           <a:prstGeom prst="rect">
@@ -1281,7 +1280,7 @@
       </p:sp>
       <p:sp>
         <p:nvSpPr>
-          <p:cNvPr id="72" name="PlaceHolder 2"/>
+          <p:cNvPr id="58" name="PlaceHolder 2"/>
           <p:cNvSpPr>
             <a:spLocks noGrp="1"/>
           </p:cNvSpPr>
@@ -1292,7 +1291,7 @@
         <p:spPr>
           <a:xfrm>
             <a:off x="457200" y="1604520"/>
-            <a:ext cx="8229240" cy="1896840"/>
+            <a:ext cx="8046360" cy="1896840"/>
           </a:xfrm>
           <a:prstGeom prst="rect">
             <a:avLst/>
@@ -1307,7 +1306,7 @@
       </p:sp>
       <p:sp>
         <p:nvSpPr>
-          <p:cNvPr id="73" name="PlaceHolder 3"/>
+          <p:cNvPr id="59" name="PlaceHolder 3"/>
           <p:cNvSpPr>
             <a:spLocks noGrp="1"/>
           </p:cNvSpPr>
@@ -1318,7 +1317,7 @@
         <p:spPr>
           <a:xfrm>
             <a:off x="457200" y="3681720"/>
-            <a:ext cx="8229240" cy="1896840"/>
+            <a:ext cx="8046360" cy="1896840"/>
           </a:xfrm>
           <a:prstGeom prst="rect">
             <a:avLst/>
@@ -1355,7 +1354,7 @@
       </p:grpSpPr>
       <p:sp>
         <p:nvSpPr>
-          <p:cNvPr id="74" name="PlaceHolder 1"/>
+          <p:cNvPr id="60" name="PlaceHolder 1"/>
           <p:cNvSpPr>
             <a:spLocks noGrp="1"/>
           </p:cNvSpPr>
@@ -1365,7 +1364,7 @@
         </p:nvSpPr>
         <p:spPr>
           <a:xfrm>
-            <a:off x="457200" y="273240"/>
+            <a:off x="457200" y="273600"/>
             <a:ext cx="8229240" cy="1145160"/>
           </a:xfrm>
           <a:prstGeom prst="rect">
@@ -1382,7 +1381,7 @@
       </p:sp>
       <p:sp>
         <p:nvSpPr>
-          <p:cNvPr id="75" name="PlaceHolder 2"/>
+          <p:cNvPr id="61" name="PlaceHolder 2"/>
           <p:cNvSpPr>
             <a:spLocks noGrp="1"/>
           </p:cNvSpPr>
@@ -1393,7 +1392,7 @@
         <p:spPr>
           <a:xfrm>
             <a:off x="457200" y="1604520"/>
-            <a:ext cx="4015440" cy="1896840"/>
+            <a:ext cx="3926160" cy="1896840"/>
           </a:xfrm>
           <a:prstGeom prst="rect">
             <a:avLst/>
@@ -1408,7 +1407,7 @@
       </p:sp>
       <p:sp>
         <p:nvSpPr>
-          <p:cNvPr id="76" name="PlaceHolder 3"/>
+          <p:cNvPr id="62" name="PlaceHolder 3"/>
           <p:cNvSpPr>
             <a:spLocks noGrp="1"/>
           </p:cNvSpPr>
@@ -1418,8 +1417,8 @@
         </p:nvSpPr>
         <p:spPr>
           <a:xfrm>
-            <a:off x="4673520" y="1604520"/>
-            <a:ext cx="4015440" cy="1896840"/>
+            <a:off x="4579920" y="1604520"/>
+            <a:ext cx="3926160" cy="1896840"/>
           </a:xfrm>
           <a:prstGeom prst="rect">
             <a:avLst/>
@@ -1434,7 +1433,7 @@
       </p:sp>
       <p:sp>
         <p:nvSpPr>
-          <p:cNvPr id="77" name="PlaceHolder 4"/>
+          <p:cNvPr id="63" name="PlaceHolder 4"/>
           <p:cNvSpPr>
             <a:spLocks noGrp="1"/>
           </p:cNvSpPr>
@@ -1444,8 +1443,8 @@
         </p:nvSpPr>
         <p:spPr>
           <a:xfrm>
-            <a:off x="4673520" y="3681720"/>
-            <a:ext cx="4015440" cy="1896840"/>
+            <a:off x="4579920" y="3681720"/>
+            <a:ext cx="3926160" cy="1896840"/>
           </a:xfrm>
           <a:prstGeom prst="rect">
             <a:avLst/>
@@ -1460,7 +1459,7 @@
       </p:sp>
       <p:sp>
         <p:nvSpPr>
-          <p:cNvPr id="78" name="PlaceHolder 5"/>
+          <p:cNvPr id="64" name="PlaceHolder 5"/>
           <p:cNvSpPr>
             <a:spLocks noGrp="1"/>
           </p:cNvSpPr>
@@ -1471,7 +1470,7 @@
         <p:spPr>
           <a:xfrm>
             <a:off x="457200" y="3681720"/>
-            <a:ext cx="4015440" cy="1896840"/>
+            <a:ext cx="3926160" cy="1896840"/>
           </a:xfrm>
           <a:prstGeom prst="rect">
             <a:avLst/>
@@ -1508,7 +1507,7 @@
       </p:grpSpPr>
       <p:sp>
         <p:nvSpPr>
-          <p:cNvPr id="79" name="PlaceHolder 1"/>
+          <p:cNvPr id="65" name="PlaceHolder 1"/>
           <p:cNvSpPr>
             <a:spLocks noGrp="1"/>
           </p:cNvSpPr>
@@ -1518,7 +1517,7 @@
         </p:nvSpPr>
         <p:spPr>
           <a:xfrm>
-            <a:off x="457200" y="273240"/>
+            <a:off x="457200" y="273600"/>
             <a:ext cx="8229240" cy="1145160"/>
           </a:xfrm>
           <a:prstGeom prst="rect">
@@ -1535,7 +1534,7 @@
       </p:sp>
       <p:sp>
         <p:nvSpPr>
-          <p:cNvPr id="80" name="PlaceHolder 2"/>
+          <p:cNvPr id="66" name="PlaceHolder 2"/>
           <p:cNvSpPr>
             <a:spLocks noGrp="1"/>
           </p:cNvSpPr>
@@ -1546,7 +1545,7 @@
         <p:spPr>
           <a:xfrm>
             <a:off x="457200" y="1604520"/>
-            <a:ext cx="4015440" cy="1896840"/>
+            <a:ext cx="3926160" cy="1896840"/>
           </a:xfrm>
           <a:prstGeom prst="rect">
             <a:avLst/>
@@ -1561,7 +1560,7 @@
       </p:sp>
       <p:sp>
         <p:nvSpPr>
-          <p:cNvPr id="81" name="PlaceHolder 3"/>
+          <p:cNvPr id="67" name="PlaceHolder 3"/>
           <p:cNvSpPr>
             <a:spLocks noGrp="1"/>
           </p:cNvSpPr>
@@ -1571,8 +1570,8 @@
         </p:nvSpPr>
         <p:spPr>
           <a:xfrm>
-            <a:off x="4673520" y="1604520"/>
-            <a:ext cx="4015440" cy="1896840"/>
+            <a:off x="4579920" y="1604520"/>
+            <a:ext cx="3926160" cy="1896840"/>
           </a:xfrm>
           <a:prstGeom prst="rect">
             <a:avLst/>
@@ -1581,329 +1580,6 @@
         <p:txBody>
           <a:bodyPr bIns="0" lIns="0" rIns="0" tIns="0" wrap="none"/>
           <a:p>
-            <a:endParaRPr/>
-          </a:p>
-        </p:txBody>
-      </p:sp>
-    </p:spTree>
-  </p:cSld>
-</p:sldLayout>
-</file>
-
-<file path=ppt/slideLayouts/slideLayout25.xml><?xml version="1.0" encoding="utf-8"?>
-<p:sldLayout xmlns:a="http://schemas.openxmlformats.org/drawingml/2006/main" xmlns:p="http://schemas.openxmlformats.org/presentationml/2006/main" xmlns:r="http://schemas.openxmlformats.org/officeDocument/2006/relationships" preserve="1" type="blank">
-  <p:cSld name="Blank Slide">
-    <p:spTree>
-      <p:nvGrpSpPr>
-        <p:cNvPr id="1" name=""/>
-        <p:cNvGrpSpPr/>
-        <p:nvPr/>
-      </p:nvGrpSpPr>
-      <p:grpSpPr>
-        <a:xfrm>
-          <a:off x="0" y="0"/>
-          <a:ext cx="0" cy="0"/>
-          <a:chOff x="0" y="0"/>
-          <a:chExt cx="0" cy="0"/>
-        </a:xfrm>
-      </p:grpSpPr>
-    </p:spTree>
-  </p:cSld>
-</p:sldLayout>
-</file>
-
-<file path=ppt/slideLayouts/slideLayout26.xml><?xml version="1.0" encoding="utf-8"?>
-<p:sldLayout xmlns:a="http://schemas.openxmlformats.org/drawingml/2006/main" xmlns:p="http://schemas.openxmlformats.org/presentationml/2006/main" xmlns:r="http://schemas.openxmlformats.org/officeDocument/2006/relationships" preserve="1" type="tx">
-  <p:cSld name="Title Slide">
-    <p:spTree>
-      <p:nvGrpSpPr>
-        <p:cNvPr id="1" name=""/>
-        <p:cNvGrpSpPr/>
-        <p:nvPr/>
-      </p:nvGrpSpPr>
-      <p:grpSpPr>
-        <a:xfrm>
-          <a:off x="0" y="0"/>
-          <a:ext cx="0" cy="0"/>
-          <a:chOff x="0" y="0"/>
-          <a:chExt cx="0" cy="0"/>
-        </a:xfrm>
-      </p:grpSpPr>
-      <p:sp>
-        <p:nvSpPr>
-          <p:cNvPr id="87" name="PlaceHolder 1"/>
-          <p:cNvSpPr>
-            <a:spLocks noGrp="1"/>
-          </p:cNvSpPr>
-          <p:nvPr>
-            <p:ph type="title"/>
-          </p:nvPr>
-        </p:nvSpPr>
-        <p:spPr>
-          <a:xfrm>
-            <a:off x="457200" y="273240"/>
-            <a:ext cx="8229240" cy="1145160"/>
-          </a:xfrm>
-          <a:prstGeom prst="rect">
-            <a:avLst/>
-          </a:prstGeom>
-        </p:spPr>
-        <p:txBody>
-          <a:bodyPr anchor="ctr" bIns="0" lIns="0" rIns="0" tIns="0" wrap="none"/>
-          <a:p>
-            <a:pPr algn="ctr"/>
-            <a:endParaRPr/>
-          </a:p>
-        </p:txBody>
-      </p:sp>
-      <p:sp>
-        <p:nvSpPr>
-          <p:cNvPr id="88" name="PlaceHolder 2"/>
-          <p:cNvSpPr>
-            <a:spLocks noGrp="1"/>
-          </p:cNvSpPr>
-          <p:nvPr>
-            <p:ph type="subTitle"/>
-          </p:nvPr>
-        </p:nvSpPr>
-        <p:spPr>
-          <a:xfrm>
-            <a:off x="457200" y="1604520"/>
-            <a:ext cx="8229240" cy="3977640"/>
-          </a:xfrm>
-          <a:prstGeom prst="rect">
-            <a:avLst/>
-          </a:prstGeom>
-        </p:spPr>
-        <p:txBody>
-          <a:bodyPr anchor="ctr" bIns="0" lIns="0" rIns="0" tIns="0" wrap="none"/>
-          <a:p>
-            <a:pPr algn="ctr"/>
-            <a:endParaRPr/>
-          </a:p>
-        </p:txBody>
-      </p:sp>
-    </p:spTree>
-  </p:cSld>
-</p:sldLayout>
-</file>
-
-<file path=ppt/slideLayouts/slideLayout27.xml><?xml version="1.0" encoding="utf-8"?>
-<p:sldLayout xmlns:a="http://schemas.openxmlformats.org/drawingml/2006/main" xmlns:p="http://schemas.openxmlformats.org/presentationml/2006/main" xmlns:r="http://schemas.openxmlformats.org/officeDocument/2006/relationships" preserve="1" type="obj">
-  <p:cSld name="Title, Content">
-    <p:spTree>
-      <p:nvGrpSpPr>
-        <p:cNvPr id="1" name=""/>
-        <p:cNvGrpSpPr/>
-        <p:nvPr/>
-      </p:nvGrpSpPr>
-      <p:grpSpPr>
-        <a:xfrm>
-          <a:off x="0" y="0"/>
-          <a:ext cx="0" cy="0"/>
-          <a:chOff x="0" y="0"/>
-          <a:chExt cx="0" cy="0"/>
-        </a:xfrm>
-      </p:grpSpPr>
-      <p:sp>
-        <p:nvSpPr>
-          <p:cNvPr id="89" name="PlaceHolder 1"/>
-          <p:cNvSpPr>
-            <a:spLocks noGrp="1"/>
-          </p:cNvSpPr>
-          <p:nvPr>
-            <p:ph type="title"/>
-          </p:nvPr>
-        </p:nvSpPr>
-        <p:spPr>
-          <a:xfrm>
-            <a:off x="457200" y="273240"/>
-            <a:ext cx="8229240" cy="1145160"/>
-          </a:xfrm>
-          <a:prstGeom prst="rect">
-            <a:avLst/>
-          </a:prstGeom>
-        </p:spPr>
-        <p:txBody>
-          <a:bodyPr anchor="ctr" bIns="0" lIns="0" rIns="0" tIns="0" wrap="none"/>
-          <a:p>
-            <a:pPr algn="ctr"/>
-            <a:endParaRPr/>
-          </a:p>
-        </p:txBody>
-      </p:sp>
-      <p:sp>
-        <p:nvSpPr>
-          <p:cNvPr id="90" name="PlaceHolder 2"/>
-          <p:cNvSpPr>
-            <a:spLocks noGrp="1"/>
-          </p:cNvSpPr>
-          <p:nvPr>
-            <p:ph type="body"/>
-          </p:nvPr>
-        </p:nvSpPr>
-        <p:spPr>
-          <a:xfrm>
-            <a:off x="457200" y="1604520"/>
-            <a:ext cx="8229240" cy="3977280"/>
-          </a:xfrm>
-          <a:prstGeom prst="rect">
-            <a:avLst/>
-          </a:prstGeom>
-        </p:spPr>
-        <p:txBody>
-          <a:bodyPr bIns="0" lIns="0" rIns="0" tIns="0" wrap="none"/>
-          <a:p>
-            <a:endParaRPr/>
-          </a:p>
-        </p:txBody>
-      </p:sp>
-    </p:spTree>
-  </p:cSld>
-</p:sldLayout>
-</file>
-
-<file path=ppt/slideLayouts/slideLayout28.xml><?xml version="1.0" encoding="utf-8"?>
-<p:sldLayout xmlns:a="http://schemas.openxmlformats.org/drawingml/2006/main" xmlns:p="http://schemas.openxmlformats.org/presentationml/2006/main" xmlns:r="http://schemas.openxmlformats.org/officeDocument/2006/relationships" preserve="1" type="twoObj">
-  <p:cSld name="Title, 2 Content">
-    <p:spTree>
-      <p:nvGrpSpPr>
-        <p:cNvPr id="1" name=""/>
-        <p:cNvGrpSpPr/>
-        <p:nvPr/>
-      </p:nvGrpSpPr>
-      <p:grpSpPr>
-        <a:xfrm>
-          <a:off x="0" y="0"/>
-          <a:ext cx="0" cy="0"/>
-          <a:chOff x="0" y="0"/>
-          <a:chExt cx="0" cy="0"/>
-        </a:xfrm>
-      </p:grpSpPr>
-      <p:sp>
-        <p:nvSpPr>
-          <p:cNvPr id="91" name="PlaceHolder 1"/>
-          <p:cNvSpPr>
-            <a:spLocks noGrp="1"/>
-          </p:cNvSpPr>
-          <p:nvPr>
-            <p:ph type="title"/>
-          </p:nvPr>
-        </p:nvSpPr>
-        <p:spPr>
-          <a:xfrm>
-            <a:off x="457200" y="273240"/>
-            <a:ext cx="8229240" cy="1145160"/>
-          </a:xfrm>
-          <a:prstGeom prst="rect">
-            <a:avLst/>
-          </a:prstGeom>
-        </p:spPr>
-        <p:txBody>
-          <a:bodyPr anchor="ctr" bIns="0" lIns="0" rIns="0" tIns="0" wrap="none"/>
-          <a:p>
-            <a:pPr algn="ctr"/>
-            <a:endParaRPr/>
-          </a:p>
-        </p:txBody>
-      </p:sp>
-      <p:sp>
-        <p:nvSpPr>
-          <p:cNvPr id="92" name="PlaceHolder 2"/>
-          <p:cNvSpPr>
-            <a:spLocks noGrp="1"/>
-          </p:cNvSpPr>
-          <p:nvPr>
-            <p:ph type="body"/>
-          </p:nvPr>
-        </p:nvSpPr>
-        <p:spPr>
-          <a:xfrm>
-            <a:off x="457200" y="1604520"/>
-            <a:ext cx="4015440" cy="3977280"/>
-          </a:xfrm>
-          <a:prstGeom prst="rect">
-            <a:avLst/>
-          </a:prstGeom>
-        </p:spPr>
-        <p:txBody>
-          <a:bodyPr bIns="0" lIns="0" rIns="0" tIns="0" wrap="none"/>
-          <a:p>
-            <a:endParaRPr/>
-          </a:p>
-        </p:txBody>
-      </p:sp>
-      <p:sp>
-        <p:nvSpPr>
-          <p:cNvPr id="93" name="PlaceHolder 3"/>
-          <p:cNvSpPr>
-            <a:spLocks noGrp="1"/>
-          </p:cNvSpPr>
-          <p:nvPr>
-            <p:ph type="body"/>
-          </p:nvPr>
-        </p:nvSpPr>
-        <p:spPr>
-          <a:xfrm>
-            <a:off x="4673520" y="1604520"/>
-            <a:ext cx="4015440" cy="3977280"/>
-          </a:xfrm>
-          <a:prstGeom prst="rect">
-            <a:avLst/>
-          </a:prstGeom>
-        </p:spPr>
-        <p:txBody>
-          <a:bodyPr bIns="0" lIns="0" rIns="0" tIns="0" wrap="none"/>
-          <a:p>
-            <a:endParaRPr/>
-          </a:p>
-        </p:txBody>
-      </p:sp>
-    </p:spTree>
-  </p:cSld>
-</p:sldLayout>
-</file>
-
-<file path=ppt/slideLayouts/slideLayout29.xml><?xml version="1.0" encoding="utf-8"?>
-<p:sldLayout xmlns:a="http://schemas.openxmlformats.org/drawingml/2006/main" xmlns:p="http://schemas.openxmlformats.org/presentationml/2006/main" xmlns:r="http://schemas.openxmlformats.org/officeDocument/2006/relationships" preserve="1" type="titleOnly">
-  <p:cSld name="Title Only">
-    <p:spTree>
-      <p:nvGrpSpPr>
-        <p:cNvPr id="1" name=""/>
-        <p:cNvGrpSpPr/>
-        <p:nvPr/>
-      </p:nvGrpSpPr>
-      <p:grpSpPr>
-        <a:xfrm>
-          <a:off x="0" y="0"/>
-          <a:ext cx="0" cy="0"/>
-          <a:chOff x="0" y="0"/>
-          <a:chExt cx="0" cy="0"/>
-        </a:xfrm>
-      </p:grpSpPr>
-      <p:sp>
-        <p:nvSpPr>
-          <p:cNvPr id="94" name="PlaceHolder 1"/>
-          <p:cNvSpPr>
-            <a:spLocks noGrp="1"/>
-          </p:cNvSpPr>
-          <p:nvPr>
-            <p:ph type="title"/>
-          </p:nvPr>
-        </p:nvSpPr>
-        <p:spPr>
-          <a:xfrm>
-            <a:off x="457200" y="273240"/>
-            <a:ext cx="8229240" cy="1145160"/>
-          </a:xfrm>
-          <a:prstGeom prst="rect">
-            <a:avLst/>
-          </a:prstGeom>
-        </p:spPr>
-        <p:txBody>
-          <a:bodyPr anchor="ctr" bIns="0" lIns="0" rIns="0" tIns="0" wrap="none"/>
-          <a:p>
-            <a:pPr algn="ctr"/>
             <a:endParaRPr/>
           </a:p>
         </p:txBody>
@@ -1932,7 +1608,7 @@
       </p:grpSpPr>
       <p:sp>
         <p:nvSpPr>
-          <p:cNvPr id="11" name="PlaceHolder 1"/>
+          <p:cNvPr id="4" name="PlaceHolder 1"/>
           <p:cNvSpPr>
             <a:spLocks noGrp="1"/>
           </p:cNvSpPr>
@@ -1942,7 +1618,7 @@
         </p:nvSpPr>
         <p:spPr>
           <a:xfrm>
-            <a:off x="457200" y="273240"/>
+            <a:off x="457200" y="273600"/>
             <a:ext cx="8229240" cy="1145160"/>
           </a:xfrm>
           <a:prstGeom prst="rect">
@@ -1959,7 +1635,7 @@
       </p:sp>
       <p:sp>
         <p:nvSpPr>
-          <p:cNvPr id="12" name="PlaceHolder 2"/>
+          <p:cNvPr id="5" name="PlaceHolder 2"/>
           <p:cNvSpPr>
             <a:spLocks noGrp="1"/>
           </p:cNvSpPr>
@@ -1970,792 +1646,7 @@
         <p:spPr>
           <a:xfrm>
             <a:off x="457200" y="1604520"/>
-            <a:ext cx="8229240" cy="3977280"/>
-          </a:xfrm>
-          <a:prstGeom prst="rect">
-            <a:avLst/>
-          </a:prstGeom>
-        </p:spPr>
-        <p:txBody>
-          <a:bodyPr bIns="0" lIns="0" rIns="0" tIns="0" wrap="none"/>
-          <a:p>
-            <a:endParaRPr/>
-          </a:p>
-        </p:txBody>
-      </p:sp>
-    </p:spTree>
-  </p:cSld>
-</p:sldLayout>
-</file>
-
-<file path=ppt/slideLayouts/slideLayout30.xml><?xml version="1.0" encoding="utf-8"?>
-<p:sldLayout xmlns:a="http://schemas.openxmlformats.org/drawingml/2006/main" xmlns:p="http://schemas.openxmlformats.org/presentationml/2006/main" xmlns:r="http://schemas.openxmlformats.org/officeDocument/2006/relationships" preserve="1" type="objOnly">
-  <p:cSld name="Centered Text">
-    <p:spTree>
-      <p:nvGrpSpPr>
-        <p:cNvPr id="1" name=""/>
-        <p:cNvGrpSpPr/>
-        <p:nvPr/>
-      </p:nvGrpSpPr>
-      <p:grpSpPr>
-        <a:xfrm>
-          <a:off x="0" y="0"/>
-          <a:ext cx="0" cy="0"/>
-          <a:chOff x="0" y="0"/>
-          <a:chExt cx="0" cy="0"/>
-        </a:xfrm>
-      </p:grpSpPr>
-      <p:sp>
-        <p:nvSpPr>
-          <p:cNvPr id="95" name="PlaceHolder 1"/>
-          <p:cNvSpPr>
-            <a:spLocks noGrp="1"/>
-          </p:cNvSpPr>
-          <p:nvPr>
-            <p:ph type="subTitle"/>
-          </p:nvPr>
-        </p:nvSpPr>
-        <p:spPr>
-          <a:xfrm>
-            <a:off x="457200" y="273240"/>
-            <a:ext cx="8229240" cy="5308560"/>
-          </a:xfrm>
-          <a:prstGeom prst="rect">
-            <a:avLst/>
-          </a:prstGeom>
-        </p:spPr>
-        <p:txBody>
-          <a:bodyPr anchor="ctr" bIns="0" lIns="0" rIns="0" tIns="0" wrap="none"/>
-          <a:p>
-            <a:pPr algn="ctr"/>
-            <a:endParaRPr/>
-          </a:p>
-        </p:txBody>
-      </p:sp>
-    </p:spTree>
-  </p:cSld>
-</p:sldLayout>
-</file>
-
-<file path=ppt/slideLayouts/slideLayout31.xml><?xml version="1.0" encoding="utf-8"?>
-<p:sldLayout xmlns:a="http://schemas.openxmlformats.org/drawingml/2006/main" xmlns:p="http://schemas.openxmlformats.org/presentationml/2006/main" xmlns:r="http://schemas.openxmlformats.org/officeDocument/2006/relationships" preserve="1" type="twoObjAndObj">
-  <p:cSld name="Title, 2 Content and Content">
-    <p:spTree>
-      <p:nvGrpSpPr>
-        <p:cNvPr id="1" name=""/>
-        <p:cNvGrpSpPr/>
-        <p:nvPr/>
-      </p:nvGrpSpPr>
-      <p:grpSpPr>
-        <a:xfrm>
-          <a:off x="0" y="0"/>
-          <a:ext cx="0" cy="0"/>
-          <a:chOff x="0" y="0"/>
-          <a:chExt cx="0" cy="0"/>
-        </a:xfrm>
-      </p:grpSpPr>
-      <p:sp>
-        <p:nvSpPr>
-          <p:cNvPr id="96" name="PlaceHolder 1"/>
-          <p:cNvSpPr>
-            <a:spLocks noGrp="1"/>
-          </p:cNvSpPr>
-          <p:nvPr>
-            <p:ph type="title"/>
-          </p:nvPr>
-        </p:nvSpPr>
-        <p:spPr>
-          <a:xfrm>
-            <a:off x="457200" y="273240"/>
-            <a:ext cx="8229240" cy="1145160"/>
-          </a:xfrm>
-          <a:prstGeom prst="rect">
-            <a:avLst/>
-          </a:prstGeom>
-        </p:spPr>
-        <p:txBody>
-          <a:bodyPr anchor="ctr" bIns="0" lIns="0" rIns="0" tIns="0" wrap="none"/>
-          <a:p>
-            <a:pPr algn="ctr"/>
-            <a:endParaRPr/>
-          </a:p>
-        </p:txBody>
-      </p:sp>
-      <p:sp>
-        <p:nvSpPr>
-          <p:cNvPr id="97" name="PlaceHolder 2"/>
-          <p:cNvSpPr>
-            <a:spLocks noGrp="1"/>
-          </p:cNvSpPr>
-          <p:nvPr>
-            <p:ph type="body"/>
-          </p:nvPr>
-        </p:nvSpPr>
-        <p:spPr>
-          <a:xfrm>
-            <a:off x="457200" y="1604520"/>
-            <a:ext cx="4015440" cy="1896840"/>
-          </a:xfrm>
-          <a:prstGeom prst="rect">
-            <a:avLst/>
-          </a:prstGeom>
-        </p:spPr>
-        <p:txBody>
-          <a:bodyPr bIns="0" lIns="0" rIns="0" tIns="0" wrap="none"/>
-          <a:p>
-            <a:endParaRPr/>
-          </a:p>
-        </p:txBody>
-      </p:sp>
-      <p:sp>
-        <p:nvSpPr>
-          <p:cNvPr id="98" name="PlaceHolder 3"/>
-          <p:cNvSpPr>
-            <a:spLocks noGrp="1"/>
-          </p:cNvSpPr>
-          <p:nvPr>
-            <p:ph type="body"/>
-          </p:nvPr>
-        </p:nvSpPr>
-        <p:spPr>
-          <a:xfrm>
-            <a:off x="457200" y="3681720"/>
-            <a:ext cx="4015440" cy="1896840"/>
-          </a:xfrm>
-          <a:prstGeom prst="rect">
-            <a:avLst/>
-          </a:prstGeom>
-        </p:spPr>
-        <p:txBody>
-          <a:bodyPr bIns="0" lIns="0" rIns="0" tIns="0" wrap="none"/>
-          <a:p>
-            <a:endParaRPr/>
-          </a:p>
-        </p:txBody>
-      </p:sp>
-      <p:sp>
-        <p:nvSpPr>
-          <p:cNvPr id="99" name="PlaceHolder 4"/>
-          <p:cNvSpPr>
-            <a:spLocks noGrp="1"/>
-          </p:cNvSpPr>
-          <p:nvPr>
-            <p:ph type="body"/>
-          </p:nvPr>
-        </p:nvSpPr>
-        <p:spPr>
-          <a:xfrm>
-            <a:off x="4673520" y="1604520"/>
-            <a:ext cx="4015440" cy="3977280"/>
-          </a:xfrm>
-          <a:prstGeom prst="rect">
-            <a:avLst/>
-          </a:prstGeom>
-        </p:spPr>
-        <p:txBody>
-          <a:bodyPr bIns="0" lIns="0" rIns="0" tIns="0" wrap="none"/>
-          <a:p>
-            <a:endParaRPr/>
-          </a:p>
-        </p:txBody>
-      </p:sp>
-    </p:spTree>
-  </p:cSld>
-</p:sldLayout>
-</file>
-
-<file path=ppt/slideLayouts/slideLayout32.xml><?xml version="1.0" encoding="utf-8"?>
-<p:sldLayout xmlns:a="http://schemas.openxmlformats.org/drawingml/2006/main" xmlns:p="http://schemas.openxmlformats.org/presentationml/2006/main" xmlns:r="http://schemas.openxmlformats.org/officeDocument/2006/relationships" preserve="1" type="objAndTwoObj">
-  <p:cSld name="Title Content and 2 Content">
-    <p:spTree>
-      <p:nvGrpSpPr>
-        <p:cNvPr id="1" name=""/>
-        <p:cNvGrpSpPr/>
-        <p:nvPr/>
-      </p:nvGrpSpPr>
-      <p:grpSpPr>
-        <a:xfrm>
-          <a:off x="0" y="0"/>
-          <a:ext cx="0" cy="0"/>
-          <a:chOff x="0" y="0"/>
-          <a:chExt cx="0" cy="0"/>
-        </a:xfrm>
-      </p:grpSpPr>
-      <p:sp>
-        <p:nvSpPr>
-          <p:cNvPr id="100" name="PlaceHolder 1"/>
-          <p:cNvSpPr>
-            <a:spLocks noGrp="1"/>
-          </p:cNvSpPr>
-          <p:nvPr>
-            <p:ph type="title"/>
-          </p:nvPr>
-        </p:nvSpPr>
-        <p:spPr>
-          <a:xfrm>
-            <a:off x="457200" y="273240"/>
-            <a:ext cx="8229240" cy="1145160"/>
-          </a:xfrm>
-          <a:prstGeom prst="rect">
-            <a:avLst/>
-          </a:prstGeom>
-        </p:spPr>
-        <p:txBody>
-          <a:bodyPr anchor="ctr" bIns="0" lIns="0" rIns="0" tIns="0" wrap="none"/>
-          <a:p>
-            <a:pPr algn="ctr"/>
-            <a:endParaRPr/>
-          </a:p>
-        </p:txBody>
-      </p:sp>
-      <p:sp>
-        <p:nvSpPr>
-          <p:cNvPr id="101" name="PlaceHolder 2"/>
-          <p:cNvSpPr>
-            <a:spLocks noGrp="1"/>
-          </p:cNvSpPr>
-          <p:nvPr>
-            <p:ph type="body"/>
-          </p:nvPr>
-        </p:nvSpPr>
-        <p:spPr>
-          <a:xfrm>
-            <a:off x="457200" y="1604520"/>
-            <a:ext cx="4015440" cy="3977280"/>
-          </a:xfrm>
-          <a:prstGeom prst="rect">
-            <a:avLst/>
-          </a:prstGeom>
-        </p:spPr>
-        <p:txBody>
-          <a:bodyPr bIns="0" lIns="0" rIns="0" tIns="0" wrap="none"/>
-          <a:p>
-            <a:endParaRPr/>
-          </a:p>
-        </p:txBody>
-      </p:sp>
-      <p:sp>
-        <p:nvSpPr>
-          <p:cNvPr id="102" name="PlaceHolder 3"/>
-          <p:cNvSpPr>
-            <a:spLocks noGrp="1"/>
-          </p:cNvSpPr>
-          <p:nvPr>
-            <p:ph type="body"/>
-          </p:nvPr>
-        </p:nvSpPr>
-        <p:spPr>
-          <a:xfrm>
-            <a:off x="4673520" y="1604520"/>
-            <a:ext cx="4015440" cy="1896840"/>
-          </a:xfrm>
-          <a:prstGeom prst="rect">
-            <a:avLst/>
-          </a:prstGeom>
-        </p:spPr>
-        <p:txBody>
-          <a:bodyPr bIns="0" lIns="0" rIns="0" tIns="0" wrap="none"/>
-          <a:p>
-            <a:endParaRPr/>
-          </a:p>
-        </p:txBody>
-      </p:sp>
-      <p:sp>
-        <p:nvSpPr>
-          <p:cNvPr id="103" name="PlaceHolder 4"/>
-          <p:cNvSpPr>
-            <a:spLocks noGrp="1"/>
-          </p:cNvSpPr>
-          <p:nvPr>
-            <p:ph type="body"/>
-          </p:nvPr>
-        </p:nvSpPr>
-        <p:spPr>
-          <a:xfrm>
-            <a:off x="4673520" y="3681720"/>
-            <a:ext cx="4015440" cy="1896840"/>
-          </a:xfrm>
-          <a:prstGeom prst="rect">
-            <a:avLst/>
-          </a:prstGeom>
-        </p:spPr>
-        <p:txBody>
-          <a:bodyPr bIns="0" lIns="0" rIns="0" tIns="0" wrap="none"/>
-          <a:p>
-            <a:endParaRPr/>
-          </a:p>
-        </p:txBody>
-      </p:sp>
-    </p:spTree>
-  </p:cSld>
-</p:sldLayout>
-</file>
-
-<file path=ppt/slideLayouts/slideLayout33.xml><?xml version="1.0" encoding="utf-8"?>
-<p:sldLayout xmlns:a="http://schemas.openxmlformats.org/drawingml/2006/main" xmlns:p="http://schemas.openxmlformats.org/presentationml/2006/main" xmlns:r="http://schemas.openxmlformats.org/officeDocument/2006/relationships" preserve="1" type="twoObjOverTx">
-  <p:cSld name="Title, 2 Content over Content">
-    <p:spTree>
-      <p:nvGrpSpPr>
-        <p:cNvPr id="1" name=""/>
-        <p:cNvGrpSpPr/>
-        <p:nvPr/>
-      </p:nvGrpSpPr>
-      <p:grpSpPr>
-        <a:xfrm>
-          <a:off x="0" y="0"/>
-          <a:ext cx="0" cy="0"/>
-          <a:chOff x="0" y="0"/>
-          <a:chExt cx="0" cy="0"/>
-        </a:xfrm>
-      </p:grpSpPr>
-      <p:sp>
-        <p:nvSpPr>
-          <p:cNvPr id="104" name="PlaceHolder 1"/>
-          <p:cNvSpPr>
-            <a:spLocks noGrp="1"/>
-          </p:cNvSpPr>
-          <p:nvPr>
-            <p:ph type="title"/>
-          </p:nvPr>
-        </p:nvSpPr>
-        <p:spPr>
-          <a:xfrm>
-            <a:off x="457200" y="273240"/>
-            <a:ext cx="8229240" cy="1145160"/>
-          </a:xfrm>
-          <a:prstGeom prst="rect">
-            <a:avLst/>
-          </a:prstGeom>
-        </p:spPr>
-        <p:txBody>
-          <a:bodyPr anchor="ctr" bIns="0" lIns="0" rIns="0" tIns="0" wrap="none"/>
-          <a:p>
-            <a:pPr algn="ctr"/>
-            <a:endParaRPr/>
-          </a:p>
-        </p:txBody>
-      </p:sp>
-      <p:sp>
-        <p:nvSpPr>
-          <p:cNvPr id="105" name="PlaceHolder 2"/>
-          <p:cNvSpPr>
-            <a:spLocks noGrp="1"/>
-          </p:cNvSpPr>
-          <p:nvPr>
-            <p:ph type="body"/>
-          </p:nvPr>
-        </p:nvSpPr>
-        <p:spPr>
-          <a:xfrm>
-            <a:off x="457200" y="1604520"/>
-            <a:ext cx="4015440" cy="1896840"/>
-          </a:xfrm>
-          <a:prstGeom prst="rect">
-            <a:avLst/>
-          </a:prstGeom>
-        </p:spPr>
-        <p:txBody>
-          <a:bodyPr bIns="0" lIns="0" rIns="0" tIns="0" wrap="none"/>
-          <a:p>
-            <a:endParaRPr/>
-          </a:p>
-        </p:txBody>
-      </p:sp>
-      <p:sp>
-        <p:nvSpPr>
-          <p:cNvPr id="106" name="PlaceHolder 3"/>
-          <p:cNvSpPr>
-            <a:spLocks noGrp="1"/>
-          </p:cNvSpPr>
-          <p:nvPr>
-            <p:ph type="body"/>
-          </p:nvPr>
-        </p:nvSpPr>
-        <p:spPr>
-          <a:xfrm>
-            <a:off x="4673520" y="1604520"/>
-            <a:ext cx="4015440" cy="1896840"/>
-          </a:xfrm>
-          <a:prstGeom prst="rect">
-            <a:avLst/>
-          </a:prstGeom>
-        </p:spPr>
-        <p:txBody>
-          <a:bodyPr bIns="0" lIns="0" rIns="0" tIns="0" wrap="none"/>
-          <a:p>
-            <a:endParaRPr/>
-          </a:p>
-        </p:txBody>
-      </p:sp>
-      <p:sp>
-        <p:nvSpPr>
-          <p:cNvPr id="107" name="PlaceHolder 4"/>
-          <p:cNvSpPr>
-            <a:spLocks noGrp="1"/>
-          </p:cNvSpPr>
-          <p:nvPr>
-            <p:ph type="body"/>
-          </p:nvPr>
-        </p:nvSpPr>
-        <p:spPr>
-          <a:xfrm>
-            <a:off x="457200" y="3681720"/>
-            <a:ext cx="8228520" cy="1896840"/>
-          </a:xfrm>
-          <a:prstGeom prst="rect">
-            <a:avLst/>
-          </a:prstGeom>
-        </p:spPr>
-        <p:txBody>
-          <a:bodyPr bIns="0" lIns="0" rIns="0" tIns="0" wrap="none"/>
-          <a:p>
-            <a:endParaRPr/>
-          </a:p>
-        </p:txBody>
-      </p:sp>
-    </p:spTree>
-  </p:cSld>
-</p:sldLayout>
-</file>
-
-<file path=ppt/slideLayouts/slideLayout34.xml><?xml version="1.0" encoding="utf-8"?>
-<p:sldLayout xmlns:a="http://schemas.openxmlformats.org/drawingml/2006/main" xmlns:p="http://schemas.openxmlformats.org/presentationml/2006/main" xmlns:r="http://schemas.openxmlformats.org/officeDocument/2006/relationships" preserve="1" type="objOverTx">
-  <p:cSld name="Title, Content over Content">
-    <p:spTree>
-      <p:nvGrpSpPr>
-        <p:cNvPr id="1" name=""/>
-        <p:cNvGrpSpPr/>
-        <p:nvPr/>
-      </p:nvGrpSpPr>
-      <p:grpSpPr>
-        <a:xfrm>
-          <a:off x="0" y="0"/>
-          <a:ext cx="0" cy="0"/>
-          <a:chOff x="0" y="0"/>
-          <a:chExt cx="0" cy="0"/>
-        </a:xfrm>
-      </p:grpSpPr>
-      <p:sp>
-        <p:nvSpPr>
-          <p:cNvPr id="108" name="PlaceHolder 1"/>
-          <p:cNvSpPr>
-            <a:spLocks noGrp="1"/>
-          </p:cNvSpPr>
-          <p:nvPr>
-            <p:ph type="title"/>
-          </p:nvPr>
-        </p:nvSpPr>
-        <p:spPr>
-          <a:xfrm>
-            <a:off x="457200" y="273240"/>
-            <a:ext cx="8229240" cy="1145160"/>
-          </a:xfrm>
-          <a:prstGeom prst="rect">
-            <a:avLst/>
-          </a:prstGeom>
-        </p:spPr>
-        <p:txBody>
-          <a:bodyPr anchor="ctr" bIns="0" lIns="0" rIns="0" tIns="0" wrap="none"/>
-          <a:p>
-            <a:pPr algn="ctr"/>
-            <a:endParaRPr/>
-          </a:p>
-        </p:txBody>
-      </p:sp>
-      <p:sp>
-        <p:nvSpPr>
-          <p:cNvPr id="109" name="PlaceHolder 2"/>
-          <p:cNvSpPr>
-            <a:spLocks noGrp="1"/>
-          </p:cNvSpPr>
-          <p:nvPr>
-            <p:ph type="body"/>
-          </p:nvPr>
-        </p:nvSpPr>
-        <p:spPr>
-          <a:xfrm>
-            <a:off x="457200" y="1604520"/>
-            <a:ext cx="8229240" cy="1896840"/>
-          </a:xfrm>
-          <a:prstGeom prst="rect">
-            <a:avLst/>
-          </a:prstGeom>
-        </p:spPr>
-        <p:txBody>
-          <a:bodyPr bIns="0" lIns="0" rIns="0" tIns="0" wrap="none"/>
-          <a:p>
-            <a:endParaRPr/>
-          </a:p>
-        </p:txBody>
-      </p:sp>
-      <p:sp>
-        <p:nvSpPr>
-          <p:cNvPr id="110" name="PlaceHolder 3"/>
-          <p:cNvSpPr>
-            <a:spLocks noGrp="1"/>
-          </p:cNvSpPr>
-          <p:nvPr>
-            <p:ph type="body"/>
-          </p:nvPr>
-        </p:nvSpPr>
-        <p:spPr>
-          <a:xfrm>
-            <a:off x="457200" y="3681720"/>
-            <a:ext cx="8229240" cy="1896840"/>
-          </a:xfrm>
-          <a:prstGeom prst="rect">
-            <a:avLst/>
-          </a:prstGeom>
-        </p:spPr>
-        <p:txBody>
-          <a:bodyPr bIns="0" lIns="0" rIns="0" tIns="0" wrap="none"/>
-          <a:p>
-            <a:endParaRPr/>
-          </a:p>
-        </p:txBody>
-      </p:sp>
-    </p:spTree>
-  </p:cSld>
-</p:sldLayout>
-</file>
-
-<file path=ppt/slideLayouts/slideLayout35.xml><?xml version="1.0" encoding="utf-8"?>
-<p:sldLayout xmlns:a="http://schemas.openxmlformats.org/drawingml/2006/main" xmlns:p="http://schemas.openxmlformats.org/presentationml/2006/main" xmlns:r="http://schemas.openxmlformats.org/officeDocument/2006/relationships" preserve="1" type="fourObj">
-  <p:cSld name="Title, 4 Content">
-    <p:spTree>
-      <p:nvGrpSpPr>
-        <p:cNvPr id="1" name=""/>
-        <p:cNvGrpSpPr/>
-        <p:nvPr/>
-      </p:nvGrpSpPr>
-      <p:grpSpPr>
-        <a:xfrm>
-          <a:off x="0" y="0"/>
-          <a:ext cx="0" cy="0"/>
-          <a:chOff x="0" y="0"/>
-          <a:chExt cx="0" cy="0"/>
-        </a:xfrm>
-      </p:grpSpPr>
-      <p:sp>
-        <p:nvSpPr>
-          <p:cNvPr id="111" name="PlaceHolder 1"/>
-          <p:cNvSpPr>
-            <a:spLocks noGrp="1"/>
-          </p:cNvSpPr>
-          <p:nvPr>
-            <p:ph type="title"/>
-          </p:nvPr>
-        </p:nvSpPr>
-        <p:spPr>
-          <a:xfrm>
-            <a:off x="457200" y="273240"/>
-            <a:ext cx="8229240" cy="1145160"/>
-          </a:xfrm>
-          <a:prstGeom prst="rect">
-            <a:avLst/>
-          </a:prstGeom>
-        </p:spPr>
-        <p:txBody>
-          <a:bodyPr anchor="ctr" bIns="0" lIns="0" rIns="0" tIns="0" wrap="none"/>
-          <a:p>
-            <a:pPr algn="ctr"/>
-            <a:endParaRPr/>
-          </a:p>
-        </p:txBody>
-      </p:sp>
-      <p:sp>
-        <p:nvSpPr>
-          <p:cNvPr id="112" name="PlaceHolder 2"/>
-          <p:cNvSpPr>
-            <a:spLocks noGrp="1"/>
-          </p:cNvSpPr>
-          <p:nvPr>
-            <p:ph type="body"/>
-          </p:nvPr>
-        </p:nvSpPr>
-        <p:spPr>
-          <a:xfrm>
-            <a:off x="457200" y="1604520"/>
-            <a:ext cx="4015440" cy="1896840"/>
-          </a:xfrm>
-          <a:prstGeom prst="rect">
-            <a:avLst/>
-          </a:prstGeom>
-        </p:spPr>
-        <p:txBody>
-          <a:bodyPr bIns="0" lIns="0" rIns="0" tIns="0" wrap="none"/>
-          <a:p>
-            <a:endParaRPr/>
-          </a:p>
-        </p:txBody>
-      </p:sp>
-      <p:sp>
-        <p:nvSpPr>
-          <p:cNvPr id="113" name="PlaceHolder 3"/>
-          <p:cNvSpPr>
-            <a:spLocks noGrp="1"/>
-          </p:cNvSpPr>
-          <p:nvPr>
-            <p:ph type="body"/>
-          </p:nvPr>
-        </p:nvSpPr>
-        <p:spPr>
-          <a:xfrm>
-            <a:off x="4673520" y="1604520"/>
-            <a:ext cx="4015440" cy="1896840"/>
-          </a:xfrm>
-          <a:prstGeom prst="rect">
-            <a:avLst/>
-          </a:prstGeom>
-        </p:spPr>
-        <p:txBody>
-          <a:bodyPr bIns="0" lIns="0" rIns="0" tIns="0" wrap="none"/>
-          <a:p>
-            <a:endParaRPr/>
-          </a:p>
-        </p:txBody>
-      </p:sp>
-      <p:sp>
-        <p:nvSpPr>
-          <p:cNvPr id="114" name="PlaceHolder 4"/>
-          <p:cNvSpPr>
-            <a:spLocks noGrp="1"/>
-          </p:cNvSpPr>
-          <p:nvPr>
-            <p:ph type="body"/>
-          </p:nvPr>
-        </p:nvSpPr>
-        <p:spPr>
-          <a:xfrm>
-            <a:off x="4673520" y="3681720"/>
-            <a:ext cx="4015440" cy="1896840"/>
-          </a:xfrm>
-          <a:prstGeom prst="rect">
-            <a:avLst/>
-          </a:prstGeom>
-        </p:spPr>
-        <p:txBody>
-          <a:bodyPr bIns="0" lIns="0" rIns="0" tIns="0" wrap="none"/>
-          <a:p>
-            <a:endParaRPr/>
-          </a:p>
-        </p:txBody>
-      </p:sp>
-      <p:sp>
-        <p:nvSpPr>
-          <p:cNvPr id="115" name="PlaceHolder 5"/>
-          <p:cNvSpPr>
-            <a:spLocks noGrp="1"/>
-          </p:cNvSpPr>
-          <p:nvPr>
-            <p:ph type="body"/>
-          </p:nvPr>
-        </p:nvSpPr>
-        <p:spPr>
-          <a:xfrm>
-            <a:off x="457200" y="3681720"/>
-            <a:ext cx="4015440" cy="1896840"/>
-          </a:xfrm>
-          <a:prstGeom prst="rect">
-            <a:avLst/>
-          </a:prstGeom>
-        </p:spPr>
-        <p:txBody>
-          <a:bodyPr bIns="0" lIns="0" rIns="0" tIns="0" wrap="none"/>
-          <a:p>
-            <a:endParaRPr/>
-          </a:p>
-        </p:txBody>
-      </p:sp>
-    </p:spTree>
-  </p:cSld>
-</p:sldLayout>
-</file>
-
-<file path=ppt/slideLayouts/slideLayout36.xml><?xml version="1.0" encoding="utf-8"?>
-<p:sldLayout xmlns:a="http://schemas.openxmlformats.org/drawingml/2006/main" xmlns:p="http://schemas.openxmlformats.org/presentationml/2006/main" xmlns:r="http://schemas.openxmlformats.org/officeDocument/2006/relationships" preserve="1" type="blank">
-  <p:cSld name="Title, 6 Content">
-    <p:spTree>
-      <p:nvGrpSpPr>
-        <p:cNvPr id="1" name=""/>
-        <p:cNvGrpSpPr/>
-        <p:nvPr/>
-      </p:nvGrpSpPr>
-      <p:grpSpPr>
-        <a:xfrm>
-          <a:off x="0" y="0"/>
-          <a:ext cx="0" cy="0"/>
-          <a:chOff x="0" y="0"/>
-          <a:chExt cx="0" cy="0"/>
-        </a:xfrm>
-      </p:grpSpPr>
-      <p:sp>
-        <p:nvSpPr>
-          <p:cNvPr id="116" name="PlaceHolder 1"/>
-          <p:cNvSpPr>
-            <a:spLocks noGrp="1"/>
-          </p:cNvSpPr>
-          <p:nvPr>
-            <p:ph type="title"/>
-          </p:nvPr>
-        </p:nvSpPr>
-        <p:spPr>
-          <a:xfrm>
-            <a:off x="457200" y="273240"/>
-            <a:ext cx="8229240" cy="1145160"/>
-          </a:xfrm>
-          <a:prstGeom prst="rect">
-            <a:avLst/>
-          </a:prstGeom>
-        </p:spPr>
-        <p:txBody>
-          <a:bodyPr anchor="ctr" bIns="0" lIns="0" rIns="0" tIns="0" wrap="none"/>
-          <a:p>
-            <a:pPr algn="ctr"/>
-            <a:endParaRPr/>
-          </a:p>
-        </p:txBody>
-      </p:sp>
-      <p:sp>
-        <p:nvSpPr>
-          <p:cNvPr id="117" name="PlaceHolder 2"/>
-          <p:cNvSpPr>
-            <a:spLocks noGrp="1"/>
-          </p:cNvSpPr>
-          <p:nvPr>
-            <p:ph type="body"/>
-          </p:nvPr>
-        </p:nvSpPr>
-        <p:spPr>
-          <a:xfrm>
-            <a:off x="457200" y="1604520"/>
-            <a:ext cx="4015440" cy="1896840"/>
-          </a:xfrm>
-          <a:prstGeom prst="rect">
-            <a:avLst/>
-          </a:prstGeom>
-        </p:spPr>
-        <p:txBody>
-          <a:bodyPr bIns="0" lIns="0" rIns="0" tIns="0" wrap="none"/>
-          <a:p>
-            <a:endParaRPr/>
-          </a:p>
-        </p:txBody>
-      </p:sp>
-      <p:sp>
-        <p:nvSpPr>
-          <p:cNvPr id="118" name="PlaceHolder 3"/>
-          <p:cNvSpPr>
-            <a:spLocks noGrp="1"/>
-          </p:cNvSpPr>
-          <p:nvPr>
-            <p:ph type="body"/>
-          </p:nvPr>
-        </p:nvSpPr>
-        <p:spPr>
-          <a:xfrm>
-            <a:off x="4673520" y="1604520"/>
-            <a:ext cx="4015440" cy="1896840"/>
+            <a:ext cx="8046360" cy="3977280"/>
           </a:xfrm>
           <a:prstGeom prst="rect">
             <a:avLst/>
@@ -2792,7 +1683,7 @@
       </p:grpSpPr>
       <p:sp>
         <p:nvSpPr>
-          <p:cNvPr id="13" name="PlaceHolder 1"/>
+          <p:cNvPr id="6" name="PlaceHolder 1"/>
           <p:cNvSpPr>
             <a:spLocks noGrp="1"/>
           </p:cNvSpPr>
@@ -2802,7 +1693,7 @@
         </p:nvSpPr>
         <p:spPr>
           <a:xfrm>
-            <a:off x="457200" y="273240"/>
+            <a:off x="457200" y="273600"/>
             <a:ext cx="8229240" cy="1145160"/>
           </a:xfrm>
           <a:prstGeom prst="rect">
@@ -2819,7 +1710,7 @@
       </p:sp>
       <p:sp>
         <p:nvSpPr>
-          <p:cNvPr id="14" name="PlaceHolder 2"/>
+          <p:cNvPr id="7" name="PlaceHolder 2"/>
           <p:cNvSpPr>
             <a:spLocks noGrp="1"/>
           </p:cNvSpPr>
@@ -2830,7 +1721,7 @@
         <p:spPr>
           <a:xfrm>
             <a:off x="457200" y="1604520"/>
-            <a:ext cx="4015440" cy="3977280"/>
+            <a:ext cx="3926160" cy="3977280"/>
           </a:xfrm>
           <a:prstGeom prst="rect">
             <a:avLst/>
@@ -2845,7 +1736,7 @@
       </p:sp>
       <p:sp>
         <p:nvSpPr>
-          <p:cNvPr id="15" name="PlaceHolder 3"/>
+          <p:cNvPr id="8" name="PlaceHolder 3"/>
           <p:cNvSpPr>
             <a:spLocks noGrp="1"/>
           </p:cNvSpPr>
@@ -2855,8 +1746,8 @@
         </p:nvSpPr>
         <p:spPr>
           <a:xfrm>
-            <a:off x="4673520" y="1604520"/>
-            <a:ext cx="4015440" cy="3977280"/>
+            <a:off x="4579920" y="1604520"/>
+            <a:ext cx="3926160" cy="3977280"/>
           </a:xfrm>
           <a:prstGeom prst="rect">
             <a:avLst/>
@@ -2893,7 +1784,7 @@
       </p:grpSpPr>
       <p:sp>
         <p:nvSpPr>
-          <p:cNvPr id="16" name="PlaceHolder 1"/>
+          <p:cNvPr id="9" name="PlaceHolder 1"/>
           <p:cNvSpPr>
             <a:spLocks noGrp="1"/>
           </p:cNvSpPr>
@@ -2903,7 +1794,7 @@
         </p:nvSpPr>
         <p:spPr>
           <a:xfrm>
-            <a:off x="457200" y="273240"/>
+            <a:off x="457200" y="273600"/>
             <a:ext cx="8229240" cy="1145160"/>
           </a:xfrm>
           <a:prstGeom prst="rect">
@@ -2942,7 +1833,7 @@
       </p:grpSpPr>
       <p:sp>
         <p:nvSpPr>
-          <p:cNvPr id="17" name="PlaceHolder 1"/>
+          <p:cNvPr id="10" name="PlaceHolder 1"/>
           <p:cNvSpPr>
             <a:spLocks noGrp="1"/>
           </p:cNvSpPr>
@@ -2952,8 +1843,8 @@
         </p:nvSpPr>
         <p:spPr>
           <a:xfrm>
-            <a:off x="457200" y="273240"/>
-            <a:ext cx="8229240" cy="5308560"/>
+            <a:off x="457200" y="273600"/>
+            <a:ext cx="8229240" cy="5308200"/>
           </a:xfrm>
           <a:prstGeom prst="rect">
             <a:avLst/>
@@ -2991,7 +1882,7 @@
       </p:grpSpPr>
       <p:sp>
         <p:nvSpPr>
-          <p:cNvPr id="18" name="PlaceHolder 1"/>
+          <p:cNvPr id="11" name="PlaceHolder 1"/>
           <p:cNvSpPr>
             <a:spLocks noGrp="1"/>
           </p:cNvSpPr>
@@ -3001,7 +1892,7 @@
         </p:nvSpPr>
         <p:spPr>
           <a:xfrm>
-            <a:off x="457200" y="273240"/>
+            <a:off x="457200" y="273600"/>
             <a:ext cx="8229240" cy="1145160"/>
           </a:xfrm>
           <a:prstGeom prst="rect">
@@ -3018,7 +1909,7 @@
       </p:sp>
       <p:sp>
         <p:nvSpPr>
-          <p:cNvPr id="19" name="PlaceHolder 2"/>
+          <p:cNvPr id="12" name="PlaceHolder 2"/>
           <p:cNvSpPr>
             <a:spLocks noGrp="1"/>
           </p:cNvSpPr>
@@ -3029,7 +1920,7 @@
         <p:spPr>
           <a:xfrm>
             <a:off x="457200" y="1604520"/>
-            <a:ext cx="4015440" cy="1896840"/>
+            <a:ext cx="3926160" cy="1896840"/>
           </a:xfrm>
           <a:prstGeom prst="rect">
             <a:avLst/>
@@ -3044,7 +1935,7 @@
       </p:sp>
       <p:sp>
         <p:nvSpPr>
-          <p:cNvPr id="20" name="PlaceHolder 3"/>
+          <p:cNvPr id="13" name="PlaceHolder 3"/>
           <p:cNvSpPr>
             <a:spLocks noGrp="1"/>
           </p:cNvSpPr>
@@ -3055,7 +1946,7 @@
         <p:spPr>
           <a:xfrm>
             <a:off x="457200" y="3681720"/>
-            <a:ext cx="4015440" cy="1896840"/>
+            <a:ext cx="3926160" cy="1896840"/>
           </a:xfrm>
           <a:prstGeom prst="rect">
             <a:avLst/>
@@ -3070,7 +1961,7 @@
       </p:sp>
       <p:sp>
         <p:nvSpPr>
-          <p:cNvPr id="21" name="PlaceHolder 4"/>
+          <p:cNvPr id="14" name="PlaceHolder 4"/>
           <p:cNvSpPr>
             <a:spLocks noGrp="1"/>
           </p:cNvSpPr>
@@ -3080,8 +1971,8 @@
         </p:nvSpPr>
         <p:spPr>
           <a:xfrm>
-            <a:off x="4673520" y="1604520"/>
-            <a:ext cx="4015440" cy="3977280"/>
+            <a:off x="4579920" y="1604520"/>
+            <a:ext cx="3926160" cy="3977280"/>
           </a:xfrm>
           <a:prstGeom prst="rect">
             <a:avLst/>
@@ -3118,7 +2009,7 @@
       </p:grpSpPr>
       <p:sp>
         <p:nvSpPr>
-          <p:cNvPr id="22" name="PlaceHolder 1"/>
+          <p:cNvPr id="15" name="PlaceHolder 1"/>
           <p:cNvSpPr>
             <a:spLocks noGrp="1"/>
           </p:cNvSpPr>
@@ -3128,7 +2019,7 @@
         </p:nvSpPr>
         <p:spPr>
           <a:xfrm>
-            <a:off x="457200" y="273240"/>
+            <a:off x="457200" y="273600"/>
             <a:ext cx="8229240" cy="1145160"/>
           </a:xfrm>
           <a:prstGeom prst="rect">
@@ -3145,7 +2036,7 @@
       </p:sp>
       <p:sp>
         <p:nvSpPr>
-          <p:cNvPr id="23" name="PlaceHolder 2"/>
+          <p:cNvPr id="16" name="PlaceHolder 2"/>
           <p:cNvSpPr>
             <a:spLocks noGrp="1"/>
           </p:cNvSpPr>
@@ -3156,7 +2047,7 @@
         <p:spPr>
           <a:xfrm>
             <a:off x="457200" y="1604520"/>
-            <a:ext cx="4015440" cy="3977280"/>
+            <a:ext cx="3926160" cy="3977280"/>
           </a:xfrm>
           <a:prstGeom prst="rect">
             <a:avLst/>
@@ -3171,7 +2062,7 @@
       </p:sp>
       <p:sp>
         <p:nvSpPr>
-          <p:cNvPr id="24" name="PlaceHolder 3"/>
+          <p:cNvPr id="17" name="PlaceHolder 3"/>
           <p:cNvSpPr>
             <a:spLocks noGrp="1"/>
           </p:cNvSpPr>
@@ -3181,8 +2072,8 @@
         </p:nvSpPr>
         <p:spPr>
           <a:xfrm>
-            <a:off x="4673520" y="1604520"/>
-            <a:ext cx="4015440" cy="1896840"/>
+            <a:off x="4579920" y="1604520"/>
+            <a:ext cx="3926160" cy="1896840"/>
           </a:xfrm>
           <a:prstGeom prst="rect">
             <a:avLst/>
@@ -3197,7 +2088,7 @@
       </p:sp>
       <p:sp>
         <p:nvSpPr>
-          <p:cNvPr id="25" name="PlaceHolder 4"/>
+          <p:cNvPr id="18" name="PlaceHolder 4"/>
           <p:cNvSpPr>
             <a:spLocks noGrp="1"/>
           </p:cNvSpPr>
@@ -3207,8 +2098,8 @@
         </p:nvSpPr>
         <p:spPr>
           <a:xfrm>
-            <a:off x="4673520" y="3681720"/>
-            <a:ext cx="4015440" cy="1896840"/>
+            <a:off x="4579920" y="3681720"/>
+            <a:ext cx="3926160" cy="1896840"/>
           </a:xfrm>
           <a:prstGeom prst="rect">
             <a:avLst/>
@@ -3245,7 +2136,7 @@
       </p:grpSpPr>
       <p:sp>
         <p:nvSpPr>
-          <p:cNvPr id="26" name="PlaceHolder 1"/>
+          <p:cNvPr id="19" name="PlaceHolder 1"/>
           <p:cNvSpPr>
             <a:spLocks noGrp="1"/>
           </p:cNvSpPr>
@@ -3255,7 +2146,7 @@
         </p:nvSpPr>
         <p:spPr>
           <a:xfrm>
-            <a:off x="457200" y="273240"/>
+            <a:off x="457200" y="273600"/>
             <a:ext cx="8229240" cy="1145160"/>
           </a:xfrm>
           <a:prstGeom prst="rect">
@@ -3272,7 +2163,7 @@
       </p:sp>
       <p:sp>
         <p:nvSpPr>
-          <p:cNvPr id="27" name="PlaceHolder 2"/>
+          <p:cNvPr id="20" name="PlaceHolder 2"/>
           <p:cNvSpPr>
             <a:spLocks noGrp="1"/>
           </p:cNvSpPr>
@@ -3283,7 +2174,7 @@
         <p:spPr>
           <a:xfrm>
             <a:off x="457200" y="1604520"/>
-            <a:ext cx="4015440" cy="1896840"/>
+            <a:ext cx="3926160" cy="1896840"/>
           </a:xfrm>
           <a:prstGeom prst="rect">
             <a:avLst/>
@@ -3298,7 +2189,7 @@
       </p:sp>
       <p:sp>
         <p:nvSpPr>
-          <p:cNvPr id="28" name="PlaceHolder 3"/>
+          <p:cNvPr id="21" name="PlaceHolder 3"/>
           <p:cNvSpPr>
             <a:spLocks noGrp="1"/>
           </p:cNvSpPr>
@@ -3308,8 +2199,8 @@
         </p:nvSpPr>
         <p:spPr>
           <a:xfrm>
-            <a:off x="4673520" y="1604520"/>
-            <a:ext cx="4015440" cy="1896840"/>
+            <a:off x="4579920" y="1604520"/>
+            <a:ext cx="3926160" cy="1896840"/>
           </a:xfrm>
           <a:prstGeom prst="rect">
             <a:avLst/>
@@ -3324,7 +2215,7 @@
       </p:sp>
       <p:sp>
         <p:nvSpPr>
-          <p:cNvPr id="29" name="PlaceHolder 4"/>
+          <p:cNvPr id="22" name="PlaceHolder 4"/>
           <p:cNvSpPr>
             <a:spLocks noGrp="1"/>
           </p:cNvSpPr>
@@ -3335,7 +2226,7 @@
         <p:spPr>
           <a:xfrm>
             <a:off x="457200" y="3681720"/>
-            <a:ext cx="8228520" cy="1896840"/>
+            <a:ext cx="8045640" cy="1896840"/>
           </a:xfrm>
           <a:prstGeom prst="rect">
             <a:avLst/>
@@ -3372,141 +2263,7 @@
       </p:grpSpPr>
       <p:sp>
         <p:nvSpPr>
-          <p:cNvPr id="0" name="CustomShape 1"/>
-          <p:cNvSpPr/>
-          <p:nvPr/>
-        </p:nvSpPr>
-        <p:spPr>
-          <a:xfrm>
-            <a:off x="-9360" y="-7200"/>
-            <a:ext cx="9162720" cy="1041120"/>
-          </a:xfrm>
-          <a:prstGeom prst="rect">
-            <a:avLst>
-              <a:gd fmla="val 0" name="A1"/>
-              <a:gd fmla="val 0" name="A2"/>
-              <a:gd fmla="val 0" name="A3"/>
-              <a:gd fmla="val 0" name="A4"/>
-              <a:gd fmla="val 0" name="A5"/>
-              <a:gd fmla="val 0" name="A6"/>
-              <a:gd fmla="val 0" name="A7"/>
-              <a:gd fmla="val 0" name="A8"/>
-            </a:avLst>
-          </a:prstGeom>
-          <a:gradFill>
-            <a:gsLst>
-              <a:gs pos="0">
-                <a:srgbClr val="0074a0"/>
-              </a:gs>
-              <a:gs pos="100000">
-                <a:srgbClr val="00c4cd"/>
-              </a:gs>
-            </a:gsLst>
-            <a:lin ang="5400000"/>
-          </a:gradFill>
-        </p:spPr>
-      </p:sp>
-      <p:sp>
-        <p:nvSpPr>
-          <p:cNvPr id="1" name="CustomShape 2"/>
-          <p:cNvSpPr/>
-          <p:nvPr/>
-        </p:nvSpPr>
-        <p:spPr>
-          <a:xfrm>
-            <a:off x="4381560" y="-7200"/>
-            <a:ext cx="4762080" cy="637920"/>
-          </a:xfrm>
-          <a:prstGeom prst="rect">
-            <a:avLst>
-              <a:gd fmla="val 0" name="A1"/>
-              <a:gd fmla="val 0" name="A2"/>
-              <a:gd fmla="val 0" name="A3"/>
-              <a:gd fmla="val 0" name="A4"/>
-              <a:gd fmla="val 0" name="A5"/>
-              <a:gd fmla="val 0" name="A6"/>
-              <a:gd fmla="val 0" name="A7"/>
-              <a:gd fmla="val 0" name="A8"/>
-            </a:avLst>
-          </a:prstGeom>
-          <a:gradFill>
-            <a:gsLst>
-              <a:gs pos="0">
-                <a:srgbClr val="00a0a8"/>
-              </a:gs>
-              <a:gs pos="100000">
-                <a:srgbClr val="008abf"/>
-              </a:gs>
-            </a:gsLst>
-            <a:lin ang="5400000"/>
-          </a:gradFill>
-        </p:spPr>
-      </p:sp>
-      <p:sp>
-        <p:nvSpPr>
-          <p:cNvPr id="2" name="CustomShape 3"/>
-          <p:cNvSpPr/>
-          <p:nvPr/>
-        </p:nvSpPr>
-        <p:spPr>
-          <a:xfrm rot="21435600">
-            <a:off x="-18720" y="201960"/>
-            <a:ext cx="9162720" cy="648720"/>
-          </a:xfrm>
-          <a:prstGeom prst="rect">
-            <a:avLst>
-              <a:gd fmla="val 0" name="A1"/>
-              <a:gd fmla="val 0" name="A2"/>
-              <a:gd fmla="val 0" name="A3"/>
-              <a:gd fmla="val 0" name="A4"/>
-              <a:gd fmla="val 0" name="A5"/>
-              <a:gd fmla="val 0" name="A6"/>
-              <a:gd fmla="val 0" name="A7"/>
-              <a:gd fmla="val 0" name="A8"/>
-            </a:avLst>
-          </a:prstGeom>
-          <a:ln w="10800">
-            <a:solidFill>
-              <a:srgbClr val="008abf"/>
-            </a:solidFill>
-            <a:round/>
-          </a:ln>
-        </p:spPr>
-      </p:sp>
-      <p:sp>
-        <p:nvSpPr>
-          <p:cNvPr id="3" name="CustomShape 4"/>
-          <p:cNvSpPr/>
-          <p:nvPr/>
-        </p:nvSpPr>
-        <p:spPr>
-          <a:xfrm rot="21435600">
-            <a:off x="-14040" y="275400"/>
-            <a:ext cx="9175320" cy="529920"/>
-          </a:xfrm>
-          <a:prstGeom prst="rect">
-            <a:avLst>
-              <a:gd fmla="val 0" name="A1"/>
-              <a:gd fmla="val 0" name="A2"/>
-              <a:gd fmla="val 0" name="A3"/>
-              <a:gd fmla="val 0" name="A4"/>
-              <a:gd fmla="val 0" name="A5"/>
-              <a:gd fmla="val 0" name="A6"/>
-              <a:gd fmla="val 0" name="A7"/>
-              <a:gd fmla="val 0" name="A8"/>
-            </a:avLst>
-          </a:prstGeom>
-          <a:ln w="9360">
-            <a:solidFill>
-              <a:srgbClr val="009dd9"/>
-            </a:solidFill>
-            <a:round/>
-          </a:ln>
-        </p:spPr>
-      </p:sp>
-      <p:sp>
-        <p:nvSpPr>
-          <p:cNvPr id="4" name="PlaceHolder 5"/>
+          <p:cNvPr id="0" name="PlaceHolder 1"/>
           <p:cNvSpPr>
             <a:spLocks noGrp="1"/>
           </p:cNvSpPr>
@@ -3516,143 +2273,32 @@
         </p:nvSpPr>
         <p:spPr>
           <a:xfrm>
-            <a:off x="533520" y="1371600"/>
-            <a:ext cx="7851240" cy="1828440"/>
-          </a:xfrm>
-          <a:prstGeom prst="rect">
-            <a:avLst/>
-          </a:prstGeom>
-        </p:spPr>
-        <p:txBody>
-          <a:bodyPr anchor="b" bIns="0" lIns="0" rIns="18360" tIns="0"/>
-          <a:p>
-            <a:pPr algn="r">
-              <a:lnSpc>
-                <a:spcPct val="100000"/>
-              </a:lnSpc>
-            </a:pPr>
-            <a:r>
-              <a:rPr b="1" lang="en-US" sz="5600">
-                <a:solidFill>
-                  <a:srgbClr val="50e0ea"/>
-                </a:solidFill>
-                <a:latin typeface="Calibri"/>
-              </a:rPr>
-              <a:t>Click to edit the title text formatClick to edit Master title style</a:t>
-            </a:r>
-            <a:endParaRPr/>
-          </a:p>
-        </p:txBody>
-      </p:sp>
-      <p:sp>
-        <p:nvSpPr>
-          <p:cNvPr id="5" name="PlaceHolder 6"/>
-          <p:cNvSpPr>
-            <a:spLocks noGrp="1"/>
-          </p:cNvSpPr>
-          <p:nvPr>
-            <p:ph type="dt"/>
-          </p:nvPr>
-        </p:nvSpPr>
-        <p:spPr>
-          <a:xfrm>
-            <a:off x="457200" y="6356520"/>
-            <a:ext cx="2133360" cy="364680"/>
-          </a:xfrm>
-          <a:prstGeom prst="rect">
-            <a:avLst/>
-          </a:prstGeom>
-        </p:spPr>
-        <p:txBody>
-          <a:bodyPr anchor="b" bIns="0" lIns="0" rIns="0" tIns="0"/>
-          <a:p>
-            <a:pPr>
-              <a:lnSpc>
-                <a:spcPct val="100000"/>
-              </a:lnSpc>
-            </a:pPr>
-            <a:r>
-              <a:rPr lang="en-US" sz="1200">
-                <a:solidFill>
-                  <a:srgbClr val="d1eaed"/>
-                </a:solidFill>
-                <a:latin typeface="Constantia"/>
-              </a:rPr>
-              <a:t>5/6/13</a:t>
-            </a:r>
-            <a:endParaRPr/>
-          </a:p>
-        </p:txBody>
-      </p:sp>
-      <p:sp>
-        <p:nvSpPr>
-          <p:cNvPr id="6" name="PlaceHolder 7"/>
-          <p:cNvSpPr>
-            <a:spLocks noGrp="1"/>
-          </p:cNvSpPr>
-          <p:nvPr>
-            <p:ph type="ftr"/>
-          </p:nvPr>
-        </p:nvSpPr>
-        <p:spPr>
-          <a:xfrm>
-            <a:off x="2666880" y="6356520"/>
-            <a:ext cx="3352320" cy="364680"/>
-          </a:xfrm>
-          <a:prstGeom prst="rect">
-            <a:avLst/>
-          </a:prstGeom>
-        </p:spPr>
-        <p:txBody>
-          <a:bodyPr anchor="b" bIns="0" lIns="0" rIns="0" tIns="0"/>
-          <a:p>
-            <a:endParaRPr/>
-          </a:p>
-        </p:txBody>
-      </p:sp>
-      <p:sp>
-        <p:nvSpPr>
-          <p:cNvPr id="7" name="PlaceHolder 8"/>
-          <p:cNvSpPr>
-            <a:spLocks noGrp="1"/>
-          </p:cNvSpPr>
-          <p:nvPr>
-            <p:ph type="sldNum"/>
-          </p:nvPr>
-        </p:nvSpPr>
-        <p:spPr>
-          <a:xfrm>
-            <a:off x="7924680" y="6356520"/>
-            <a:ext cx="761760" cy="364680"/>
-          </a:xfrm>
-          <a:prstGeom prst="rect">
-            <a:avLst/>
-          </a:prstGeom>
-        </p:spPr>
-        <p:txBody>
-          <a:bodyPr anchor="b" bIns="0" lIns="0" rIns="0" tIns="0"/>
-          <a:p>
-            <a:pPr algn="r">
-              <a:lnSpc>
-                <a:spcPct val="100000"/>
-              </a:lnSpc>
-            </a:pPr>
-            <a:fld id="{629F899B-AF81-499E-BFD0-11FE5C808834}" type="slidenum">
-              <a:rPr lang="en-US" sz="1200">
-                <a:solidFill>
-                  <a:srgbClr val="d1eaed"/>
-                </a:solidFill>
-                <a:latin typeface="Constantia"/>
-              </a:rPr>
-              <a:t>&lt;number&gt;</a:t>
-            </a:fld>
-            <a:endParaRPr/>
-          </a:p>
-        </p:txBody>
-      </p:sp>
-      <p:sp>
-        <p:nvSpPr>
-          <p:cNvPr id="8" name="PlaceHolder 9"/>
+            <a:off x="457200" y="273240"/>
+            <a:ext cx="8228880" cy="1144800"/>
+          </a:xfrm>
+          <a:prstGeom prst="rect">
+            <a:avLst/>
+          </a:prstGeom>
+        </p:spPr>
+        <p:txBody>
+          <a:bodyPr anchor="ctr" bIns="0" lIns="0" rIns="0" tIns="0" wrap="none"/>
+          <a:p>
+            <a:pPr algn="ctr">
+              <a:lnSpc>
+                <a:spcPct val="100000"/>
+              </a:lnSpc>
+            </a:pPr>
+            <a:r>
+              <a:rPr lang="en-US"/>
+              <a:t>Click to edit the title text format</a:t>
+            </a:r>
+            <a:endParaRPr/>
+          </a:p>
+        </p:txBody>
+      </p:sp>
+      <p:sp>
+        <p:nvSpPr>
+          <p:cNvPr id="1" name="PlaceHolder 2"/>
           <p:cNvSpPr>
             <a:spLocks noGrp="1"/>
           </p:cNvSpPr>
@@ -3663,7 +2309,7 @@
         <p:spPr>
           <a:xfrm>
             <a:off x="457200" y="1604520"/>
-            <a:ext cx="8229240" cy="3977280"/>
+            <a:ext cx="8046360" cy="3977280"/>
           </a:xfrm>
           <a:prstGeom prst="rect">
             <a:avLst/>
@@ -3673,7 +2319,7 @@
           <a:bodyPr bIns="0" lIns="0" rIns="0" tIns="0" wrap="none"/>
           <a:p>
             <a:pPr>
-              <a:buSzPct val="25000"/>
+              <a:buSzPct val="45000"/>
               <a:buFont typeface="StarSymbol"/>
               <a:buChar char=""/>
             </a:pPr>
@@ -3685,7 +2331,7 @@
           </a:p>
           <a:p>
             <a:pPr lvl="1">
-              <a:buSzPct val="25000"/>
+              <a:buSzPct val="75000"/>
               <a:buFont typeface="StarSymbol"/>
               <a:buChar char=""/>
             </a:pPr>
@@ -3697,7 +2343,7 @@
           </a:p>
           <a:p>
             <a:pPr lvl="2">
-              <a:buSzPct val="25000"/>
+              <a:buSzPct val="45000"/>
               <a:buFont typeface="StarSymbol"/>
               <a:buChar char=""/>
             </a:pPr>
@@ -3709,7 +2355,7 @@
           </a:p>
           <a:p>
             <a:pPr lvl="3">
-              <a:buSzPct val="25000"/>
+              <a:buSzPct val="75000"/>
               <a:buFont typeface="StarSymbol"/>
               <a:buChar char=""/>
             </a:pPr>
@@ -3721,7 +2367,7 @@
           </a:p>
           <a:p>
             <a:pPr lvl="4">
-              <a:buSzPct val="25000"/>
+              <a:buSzPct val="45000"/>
               <a:buFont typeface="StarSymbol"/>
               <a:buChar char=""/>
             </a:pPr>
@@ -3733,7 +2379,7 @@
           </a:p>
           <a:p>
             <a:pPr lvl="5">
-              <a:buSzPct val="25000"/>
+              <a:buSzPct val="45000"/>
               <a:buFont typeface="StarSymbol"/>
               <a:buChar char=""/>
             </a:pPr>
@@ -3745,7 +2391,7 @@
           </a:p>
           <a:p>
             <a:pPr lvl="6">
-              <a:buSzPct val="25000"/>
+              <a:buSzPct val="45000"/>
               <a:buFont typeface="StarSymbol"/>
               <a:buChar char=""/>
             </a:pPr>
@@ -3780,14 +2426,6 @@
 <file path=ppt/slideMasters/slideMaster2.xml><?xml version="1.0" encoding="utf-8"?>
 <p:sldMaster xmlns:a="http://schemas.openxmlformats.org/drawingml/2006/main" xmlns:p="http://schemas.openxmlformats.org/presentationml/2006/main" xmlns:r="http://schemas.openxmlformats.org/officeDocument/2006/relationships">
   <p:cSld>
-    <p:bg>
-      <p:bgPr>
-        <a:blipFill>
-          <a:blip r:embed="rId2"/>
-          <a:tile/>
-        </a:blipFill>
-      </p:bgPr>
-    </p:bg>
     <p:spTree>
       <p:nvGrpSpPr>
         <p:cNvPr id="1" name=""/>
@@ -3804,141 +2442,7 @@
       </p:grpSpPr>
       <p:sp>
         <p:nvSpPr>
-          <p:cNvPr id="41" name="CustomShape 1"/>
-          <p:cNvSpPr/>
-          <p:nvPr/>
-        </p:nvSpPr>
-        <p:spPr>
-          <a:xfrm>
-            <a:off x="-9360" y="-7200"/>
-            <a:ext cx="9162720" cy="1041120"/>
-          </a:xfrm>
-          <a:prstGeom prst="rect">
-            <a:avLst>
-              <a:gd fmla="val 0" name="A1"/>
-              <a:gd fmla="val 0" name="A2"/>
-              <a:gd fmla="val 0" name="A3"/>
-              <a:gd fmla="val 0" name="A4"/>
-              <a:gd fmla="val 0" name="A5"/>
-              <a:gd fmla="val 0" name="A6"/>
-              <a:gd fmla="val 0" name="A7"/>
-              <a:gd fmla="val 0" name="A8"/>
-            </a:avLst>
-          </a:prstGeom>
-          <a:gradFill>
-            <a:gsLst>
-              <a:gs pos="0">
-                <a:srgbClr val="0074a0"/>
-              </a:gs>
-              <a:gs pos="100000">
-                <a:srgbClr val="00c4cd"/>
-              </a:gs>
-            </a:gsLst>
-            <a:lin ang="5400000"/>
-          </a:gradFill>
-        </p:spPr>
-      </p:sp>
-      <p:sp>
-        <p:nvSpPr>
-          <p:cNvPr id="42" name="CustomShape 2"/>
-          <p:cNvSpPr/>
-          <p:nvPr/>
-        </p:nvSpPr>
-        <p:spPr>
-          <a:xfrm>
-            <a:off x="4381560" y="-7200"/>
-            <a:ext cx="4762080" cy="637920"/>
-          </a:xfrm>
-          <a:prstGeom prst="rect">
-            <a:avLst>
-              <a:gd fmla="val 0" name="A1"/>
-              <a:gd fmla="val 0" name="A2"/>
-              <a:gd fmla="val 0" name="A3"/>
-              <a:gd fmla="val 0" name="A4"/>
-              <a:gd fmla="val 0" name="A5"/>
-              <a:gd fmla="val 0" name="A6"/>
-              <a:gd fmla="val 0" name="A7"/>
-              <a:gd fmla="val 0" name="A8"/>
-            </a:avLst>
-          </a:prstGeom>
-          <a:gradFill>
-            <a:gsLst>
-              <a:gs pos="0">
-                <a:srgbClr val="00a0a8"/>
-              </a:gs>
-              <a:gs pos="100000">
-                <a:srgbClr val="008abf"/>
-              </a:gs>
-            </a:gsLst>
-            <a:lin ang="5400000"/>
-          </a:gradFill>
-        </p:spPr>
-      </p:sp>
-      <p:sp>
-        <p:nvSpPr>
-          <p:cNvPr id="43" name="CustomShape 3"/>
-          <p:cNvSpPr/>
-          <p:nvPr/>
-        </p:nvSpPr>
-        <p:spPr>
-          <a:xfrm rot="21435600">
-            <a:off x="-18720" y="201960"/>
-            <a:ext cx="9162720" cy="648720"/>
-          </a:xfrm>
-          <a:prstGeom prst="rect">
-            <a:avLst>
-              <a:gd fmla="val 0" name="A1"/>
-              <a:gd fmla="val 0" name="A2"/>
-              <a:gd fmla="val 0" name="A3"/>
-              <a:gd fmla="val 0" name="A4"/>
-              <a:gd fmla="val 0" name="A5"/>
-              <a:gd fmla="val 0" name="A6"/>
-              <a:gd fmla="val 0" name="A7"/>
-              <a:gd fmla="val 0" name="A8"/>
-            </a:avLst>
-          </a:prstGeom>
-          <a:ln w="10800">
-            <a:solidFill>
-              <a:srgbClr val="008abf"/>
-            </a:solidFill>
-            <a:round/>
-          </a:ln>
-        </p:spPr>
-      </p:sp>
-      <p:sp>
-        <p:nvSpPr>
-          <p:cNvPr id="44" name="CustomShape 4"/>
-          <p:cNvSpPr/>
-          <p:nvPr/>
-        </p:nvSpPr>
-        <p:spPr>
-          <a:xfrm rot="21435600">
-            <a:off x="-14040" y="275400"/>
-            <a:ext cx="9175320" cy="529920"/>
-          </a:xfrm>
-          <a:prstGeom prst="rect">
-            <a:avLst>
-              <a:gd fmla="val 0" name="A1"/>
-              <a:gd fmla="val 0" name="A2"/>
-              <a:gd fmla="val 0" name="A3"/>
-              <a:gd fmla="val 0" name="A4"/>
-              <a:gd fmla="val 0" name="A5"/>
-              <a:gd fmla="val 0" name="A6"/>
-              <a:gd fmla="val 0" name="A7"/>
-              <a:gd fmla="val 0" name="A8"/>
-            </a:avLst>
-          </a:prstGeom>
-          <a:ln w="9360">
-            <a:solidFill>
-              <a:srgbClr val="009dd9"/>
-            </a:solidFill>
-            <a:round/>
-          </a:ln>
-        </p:spPr>
-      </p:sp>
-      <p:sp>
-        <p:nvSpPr>
-          <p:cNvPr id="45" name="PlaceHolder 5"/>
+          <p:cNvPr id="34" name="PlaceHolder 1"/>
           <p:cNvSpPr>
             <a:spLocks noGrp="1"/>
           </p:cNvSpPr>
@@ -3948,37 +2452,28 @@
         </p:nvSpPr>
         <p:spPr>
           <a:xfrm>
-            <a:off x="457200" y="704160"/>
-            <a:ext cx="8229240" cy="1142640"/>
-          </a:xfrm>
-          <a:prstGeom prst="rect">
-            <a:avLst/>
-          </a:prstGeom>
-        </p:spPr>
-        <p:txBody>
-          <a:bodyPr anchor="b" bIns="0" lIns="0" rIns="0" tIns="45000"/>
-          <a:p>
-            <a:pPr>
-              <a:lnSpc>
-                <a:spcPct val="100000"/>
-              </a:lnSpc>
-            </a:pPr>
-            <a:r>
-              <a:rPr lang="en-US" sz="5000">
-                <a:solidFill>
-                  <a:srgbClr val="04617b"/>
-                </a:solidFill>
-                <a:latin typeface="Calibri"/>
-              </a:rPr>
-              <a:t>Click to edit the title text formatClick to edit Master title style</a:t>
-            </a:r>
-            <a:endParaRPr/>
-          </a:p>
-        </p:txBody>
-      </p:sp>
-      <p:sp>
-        <p:nvSpPr>
-          <p:cNvPr id="46" name="PlaceHolder 6"/>
+            <a:off x="457200" y="273600"/>
+            <a:ext cx="8229240" cy="1144800"/>
+          </a:xfrm>
+          <a:prstGeom prst="rect">
+            <a:avLst/>
+          </a:prstGeom>
+        </p:spPr>
+        <p:txBody>
+          <a:bodyPr anchor="ctr" bIns="0" lIns="0" rIns="0" tIns="0" wrap="none"/>
+          <a:p>
+            <a:pPr algn="ctr"/>
+            <a:r>
+              <a:rPr lang="en-US"/>
+              <a:t>Click to edit the title text format</a:t>
+            </a:r>
+            <a:endParaRPr/>
+          </a:p>
+        </p:txBody>
+      </p:sp>
+      <p:sp>
+        <p:nvSpPr>
+          <p:cNvPr id="35" name="PlaceHolder 2"/>
           <p:cNvSpPr>
             <a:spLocks noGrp="1"/>
           </p:cNvSpPr>
@@ -3988,321 +2483,97 @@
         </p:nvSpPr>
         <p:spPr>
           <a:xfrm>
-            <a:off x="457200" y="1935360"/>
-            <a:ext cx="8229240" cy="4388760"/>
-          </a:xfrm>
-          <a:prstGeom prst="rect">
-            <a:avLst/>
-          </a:prstGeom>
-        </p:spPr>
-        <p:txBody>
-          <a:bodyPr bIns="45000" lIns="90000" rIns="90000" tIns="45000"/>
+            <a:off x="457200" y="1604520"/>
+            <a:ext cx="8046360" cy="3977280"/>
+          </a:xfrm>
+          <a:prstGeom prst="rect">
+            <a:avLst/>
+          </a:prstGeom>
+        </p:spPr>
+        <p:txBody>
+          <a:bodyPr bIns="0" lIns="0" rIns="0" tIns="0" wrap="none"/>
           <a:p>
             <a:pPr>
-              <a:buSzPct val="25000"/>
+              <a:buSzPct val="45000"/>
               <a:buFont typeface="StarSymbol"/>
               <a:buChar char=""/>
             </a:pPr>
             <a:r>
-              <a:rPr lang="en-US" sz="2600">
-                <a:solidFill>
-                  <a:srgbClr val="000000"/>
-                </a:solidFill>
-                <a:latin typeface="Constantia"/>
-              </a:rPr>
+              <a:rPr lang="en-US"/>
               <a:t>Click to edit the outline text format</a:t>
             </a:r>
             <a:endParaRPr/>
           </a:p>
           <a:p>
             <a:pPr lvl="1">
-              <a:buSzPct val="25000"/>
+              <a:buSzPct val="75000"/>
               <a:buFont typeface="StarSymbol"/>
               <a:buChar char=""/>
             </a:pPr>
             <a:r>
-              <a:rPr lang="en-US" sz="2600">
-                <a:solidFill>
-                  <a:srgbClr val="000000"/>
-                </a:solidFill>
-                <a:latin typeface="Constantia"/>
-              </a:rPr>
+              <a:rPr lang="en-US"/>
               <a:t>Second Outline Level</a:t>
             </a:r>
             <a:endParaRPr/>
           </a:p>
           <a:p>
             <a:pPr lvl="2">
-              <a:buSzPct val="25000"/>
+              <a:buSzPct val="45000"/>
               <a:buFont typeface="StarSymbol"/>
               <a:buChar char=""/>
             </a:pPr>
             <a:r>
-              <a:rPr lang="en-US" sz="2600">
-                <a:solidFill>
-                  <a:srgbClr val="000000"/>
-                </a:solidFill>
-                <a:latin typeface="Constantia"/>
-              </a:rPr>
+              <a:rPr lang="en-US"/>
               <a:t>Third Outline Level</a:t>
             </a:r>
             <a:endParaRPr/>
           </a:p>
           <a:p>
             <a:pPr lvl="3">
-              <a:buSzPct val="25000"/>
+              <a:buSzPct val="75000"/>
               <a:buFont typeface="StarSymbol"/>
               <a:buChar char=""/>
             </a:pPr>
             <a:r>
-              <a:rPr lang="en-US" sz="2600">
-                <a:solidFill>
-                  <a:srgbClr val="000000"/>
-                </a:solidFill>
-                <a:latin typeface="Constantia"/>
-              </a:rPr>
+              <a:rPr lang="en-US"/>
               <a:t>Fourth Outline Level</a:t>
             </a:r>
             <a:endParaRPr/>
           </a:p>
           <a:p>
             <a:pPr lvl="4">
-              <a:buSzPct val="25000"/>
+              <a:buSzPct val="45000"/>
               <a:buFont typeface="StarSymbol"/>
               <a:buChar char=""/>
             </a:pPr>
             <a:r>
-              <a:rPr lang="en-US" sz="2600">
-                <a:solidFill>
-                  <a:srgbClr val="000000"/>
-                </a:solidFill>
-                <a:latin typeface="Constantia"/>
-              </a:rPr>
+              <a:rPr lang="en-US"/>
               <a:t>Fifth Outline Level</a:t>
             </a:r>
             <a:endParaRPr/>
           </a:p>
           <a:p>
             <a:pPr lvl="5">
-              <a:buSzPct val="25000"/>
+              <a:buSzPct val="45000"/>
               <a:buFont typeface="StarSymbol"/>
               <a:buChar char=""/>
             </a:pPr>
             <a:r>
-              <a:rPr lang="en-US" sz="2600">
-                <a:solidFill>
-                  <a:srgbClr val="000000"/>
-                </a:solidFill>
-                <a:latin typeface="Constantia"/>
-              </a:rPr>
+              <a:rPr lang="en-US"/>
               <a:t>Sixth Outline Level</a:t>
             </a:r>
             <a:endParaRPr/>
           </a:p>
           <a:p>
-            <a:pPr>
-              <a:lnSpc>
-                <a:spcPct val="100000"/>
-              </a:lnSpc>
-              <a:buSzPct val="25000"/>
-              <a:buFont charset="2" typeface="Wingdings 2"/>
-              <a:buChar char=""/>
-            </a:pPr>
-            <a:r>
-              <a:rPr lang="en-US" sz="2600">
-                <a:solidFill>
-                  <a:srgbClr val="000000"/>
-                </a:solidFill>
-                <a:latin typeface="Constantia"/>
-              </a:rPr>
-              <a:t>Seventh Outline LevelClick to edit Master text styles</a:t>
-            </a:r>
-            <a:endParaRPr/>
-          </a:p>
-          <a:p>
-            <a:pPr lvl="1">
-              <a:lnSpc>
-                <a:spcPct val="100000"/>
-              </a:lnSpc>
-              <a:buSzPct val="25000"/>
-              <a:buFont typeface="StarSymbol"/>
-              <a:buChar char=""/>
-            </a:pPr>
-            <a:r>
-              <a:rPr lang="en-US" sz="2400">
-                <a:solidFill>
-                  <a:srgbClr val="000000"/>
-                </a:solidFill>
-                <a:latin typeface="Constantia"/>
-              </a:rPr>
-              <a:t>Second level</a:t>
-            </a:r>
-            <a:endParaRPr/>
-          </a:p>
-          <a:p>
-            <a:pPr lvl="2">
-              <a:lnSpc>
-                <a:spcPct val="100000"/>
-              </a:lnSpc>
-              <a:buSzPct val="25000"/>
+            <a:pPr lvl="6">
+              <a:buSzPct val="45000"/>
               <a:buFont typeface="StarSymbol"/>
               <a:buChar char=""/>
             </a:pPr>
             <a:r>
-              <a:rPr lang="en-US" sz="2100">
-                <a:solidFill>
-                  <a:srgbClr val="000000"/>
-                </a:solidFill>
-                <a:latin typeface="Constantia"/>
-              </a:rPr>
-              <a:t>Third level</a:t>
-            </a:r>
-            <a:endParaRPr/>
-          </a:p>
-          <a:p>
-            <a:pPr lvl="3">
-              <a:lnSpc>
-                <a:spcPct val="100000"/>
-              </a:lnSpc>
-              <a:buSzPct val="25000"/>
-              <a:buFont typeface="StarSymbol"/>
-              <a:buChar char=""/>
-            </a:pPr>
-            <a:r>
-              <a:rPr lang="en-US" sz="2000">
-                <a:solidFill>
-                  <a:srgbClr val="000000"/>
-                </a:solidFill>
-                <a:latin typeface="Constantia"/>
-              </a:rPr>
-              <a:t>Fourth level</a:t>
-            </a:r>
-            <a:endParaRPr/>
-          </a:p>
-          <a:p>
-            <a:pPr lvl="4">
-              <a:lnSpc>
-                <a:spcPct val="100000"/>
-              </a:lnSpc>
-              <a:buSzPct val="25000"/>
-              <a:buFont typeface="StarSymbol"/>
-              <a:buChar char=""/>
-            </a:pPr>
-            <a:r>
-              <a:rPr lang="en-US" sz="2000">
-                <a:solidFill>
-                  <a:srgbClr val="000000"/>
-                </a:solidFill>
-                <a:latin typeface="Constantia"/>
-              </a:rPr>
-              <a:t>Fifth level</a:t>
-            </a:r>
-            <a:endParaRPr/>
-          </a:p>
-        </p:txBody>
-      </p:sp>
-      <p:sp>
-        <p:nvSpPr>
-          <p:cNvPr id="47" name="PlaceHolder 7"/>
-          <p:cNvSpPr>
-            <a:spLocks noGrp="1"/>
-          </p:cNvSpPr>
-          <p:nvPr>
-            <p:ph type="dt"/>
-          </p:nvPr>
-        </p:nvSpPr>
-        <p:spPr>
-          <a:xfrm>
-            <a:off x="457200" y="6356520"/>
-            <a:ext cx="2133360" cy="364680"/>
-          </a:xfrm>
-          <a:prstGeom prst="rect">
-            <a:avLst/>
-          </a:prstGeom>
-        </p:spPr>
-        <p:txBody>
-          <a:bodyPr anchor="b" bIns="0" lIns="0" rIns="0" tIns="0"/>
-          <a:p>
-            <a:pPr>
-              <a:lnSpc>
-                <a:spcPct val="100000"/>
-              </a:lnSpc>
-            </a:pPr>
-            <a:r>
-              <a:rPr lang="en-US" sz="1200">
-                <a:solidFill>
-                  <a:srgbClr val="035c75"/>
-                </a:solidFill>
-                <a:latin typeface="Constantia"/>
-              </a:rPr>
-              <a:t>5/6/13</a:t>
-            </a:r>
-            <a:endParaRPr/>
-          </a:p>
-        </p:txBody>
-      </p:sp>
-      <p:sp>
-        <p:nvSpPr>
-          <p:cNvPr id="48" name="PlaceHolder 8"/>
-          <p:cNvSpPr>
-            <a:spLocks noGrp="1"/>
-          </p:cNvSpPr>
-          <p:nvPr>
-            <p:ph type="ftr"/>
-          </p:nvPr>
-        </p:nvSpPr>
-        <p:spPr>
-          <a:xfrm>
-            <a:off x="2666880" y="6356520"/>
-            <a:ext cx="3352320" cy="364680"/>
-          </a:xfrm>
-          <a:prstGeom prst="rect">
-            <a:avLst/>
-          </a:prstGeom>
-        </p:spPr>
-        <p:txBody>
-          <a:bodyPr anchor="b" bIns="0" lIns="0" rIns="0" tIns="0"/>
-          <a:p>
-            <a:endParaRPr/>
-          </a:p>
-        </p:txBody>
-      </p:sp>
-      <p:sp>
-        <p:nvSpPr>
-          <p:cNvPr id="49" name="PlaceHolder 9"/>
-          <p:cNvSpPr>
-            <a:spLocks noGrp="1"/>
-          </p:cNvSpPr>
-          <p:nvPr>
-            <p:ph type="sldNum"/>
-          </p:nvPr>
-        </p:nvSpPr>
-        <p:spPr>
-          <a:xfrm>
-            <a:off x="7924680" y="6356520"/>
-            <a:ext cx="761760" cy="364680"/>
-          </a:xfrm>
-          <a:prstGeom prst="rect">
-            <a:avLst/>
-          </a:prstGeom>
-        </p:spPr>
-        <p:txBody>
-          <a:bodyPr anchor="b" bIns="0" lIns="0" rIns="0" tIns="0"/>
-          <a:p>
-            <a:pPr algn="r">
-              <a:lnSpc>
-                <a:spcPct val="100000"/>
-              </a:lnSpc>
-            </a:pPr>
-            <a:fld id="{BC2782CD-4473-416B-B66A-C65CE9F7A63C}" type="slidenum">
-              <a:rPr lang="en-US" sz="1200">
-                <a:solidFill>
-                  <a:srgbClr val="035c75"/>
-                </a:solidFill>
-                <a:latin typeface="Constantia"/>
-              </a:rPr>
-              <a:t>&lt;number&gt;</a:t>
-            </a:fld>
+              <a:rPr lang="en-US"/>
+              <a:t>Seventh Outline Level</a:t>
+            </a:r>
             <a:endParaRPr/>
           </a:p>
         </p:txBody>
@@ -4311,285 +2582,18 @@
   </p:cSld>
   <p:clrMap accent1="accent1" accent2="accent2" accent3="accent3" accent4="accent4" accent5="accent5" accent6="accent6" bg1="lt1" bg2="lt2" folHlink="folHlink" hlink="hlink" tx1="dk1" tx2="dk2"/>
   <p:sldLayoutIdLst>
-    <p:sldLayoutId id="2147483662" r:id="rId3"/>
-    <p:sldLayoutId id="2147483663" r:id="rId4"/>
-    <p:sldLayoutId id="2147483664" r:id="rId5"/>
-    <p:sldLayoutId id="2147483665" r:id="rId6"/>
-    <p:sldLayoutId id="2147483666" r:id="rId7"/>
-    <p:sldLayoutId id="2147483667" r:id="rId8"/>
-    <p:sldLayoutId id="2147483668" r:id="rId9"/>
-    <p:sldLayoutId id="2147483669" r:id="rId10"/>
-    <p:sldLayoutId id="2147483670" r:id="rId11"/>
-    <p:sldLayoutId id="2147483671" r:id="rId12"/>
-    <p:sldLayoutId id="2147483672" r:id="rId13"/>
-    <p:sldLayoutId id="2147483673" r:id="rId14"/>
-  </p:sldLayoutIdLst>
-</p:sldMaster>
-</file>
-
-<file path=ppt/slideMasters/slideMaster3.xml><?xml version="1.0" encoding="utf-8"?>
-<p:sldMaster xmlns:a="http://schemas.openxmlformats.org/drawingml/2006/main" xmlns:p="http://schemas.openxmlformats.org/presentationml/2006/main" xmlns:r="http://schemas.openxmlformats.org/officeDocument/2006/relationships">
-  <p:cSld>
-    <p:spTree>
-      <p:nvGrpSpPr>
-        <p:cNvPr id="1" name=""/>
-        <p:cNvGrpSpPr/>
-        <p:nvPr/>
-      </p:nvGrpSpPr>
-      <p:grpSpPr>
-        <a:xfrm>
-          <a:off x="0" y="0"/>
-          <a:ext cx="0" cy="0"/>
-          <a:chOff x="0" y="0"/>
-          <a:chExt cx="0" cy="0"/>
-        </a:xfrm>
-      </p:grpSpPr>
-      <p:sp>
-        <p:nvSpPr>
-          <p:cNvPr id="82" name="PlaceHolder 1"/>
-          <p:cNvSpPr>
-            <a:spLocks noGrp="1"/>
-          </p:cNvSpPr>
-          <p:nvPr>
-            <p:ph type="title"/>
-          </p:nvPr>
-        </p:nvSpPr>
-        <p:spPr>
-          <a:xfrm>
-            <a:off x="457200" y="273240"/>
-            <a:ext cx="8229240" cy="1144800"/>
-          </a:xfrm>
-          <a:prstGeom prst="rect">
-            <a:avLst/>
-          </a:prstGeom>
-        </p:spPr>
-        <p:txBody>
-          <a:bodyPr anchor="ctr" bIns="0" lIns="0" rIns="0" tIns="0" wrap="none"/>
-          <a:p>
-            <a:pPr algn="ctr"/>
-            <a:r>
-              <a:rPr lang="en-US"/>
-              <a:t>Click to edit the title text format</a:t>
-            </a:r>
-            <a:endParaRPr/>
-          </a:p>
-        </p:txBody>
-      </p:sp>
-      <p:sp>
-        <p:nvSpPr>
-          <p:cNvPr id="83" name="PlaceHolder 2"/>
-          <p:cNvSpPr>
-            <a:spLocks noGrp="1"/>
-          </p:cNvSpPr>
-          <p:nvPr>
-            <p:ph type="body"/>
-          </p:nvPr>
-        </p:nvSpPr>
-        <p:spPr>
-          <a:xfrm>
-            <a:off x="457200" y="1604520"/>
-            <a:ext cx="8229240" cy="3977280"/>
-          </a:xfrm>
-          <a:prstGeom prst="rect">
-            <a:avLst/>
-          </a:prstGeom>
-        </p:spPr>
-        <p:txBody>
-          <a:bodyPr bIns="0" lIns="0" rIns="0" tIns="0" wrap="none"/>
-          <a:p>
-            <a:pPr>
-              <a:buSzPct val="25000"/>
-              <a:buFont typeface="StarSymbol"/>
-              <a:buChar char=""/>
-            </a:pPr>
-            <a:r>
-              <a:rPr lang="en-US"/>
-              <a:t>Click to edit the outline text format</a:t>
-            </a:r>
-            <a:endParaRPr/>
-          </a:p>
-          <a:p>
-            <a:pPr lvl="1">
-              <a:buSzPct val="25000"/>
-              <a:buFont typeface="StarSymbol"/>
-              <a:buChar char=""/>
-            </a:pPr>
-            <a:r>
-              <a:rPr lang="en-US"/>
-              <a:t>Second Outline Level</a:t>
-            </a:r>
-            <a:endParaRPr/>
-          </a:p>
-          <a:p>
-            <a:pPr lvl="2">
-              <a:buSzPct val="25000"/>
-              <a:buFont typeface="StarSymbol"/>
-              <a:buChar char=""/>
-            </a:pPr>
-            <a:r>
-              <a:rPr lang="en-US"/>
-              <a:t>Third Outline Level</a:t>
-            </a:r>
-            <a:endParaRPr/>
-          </a:p>
-          <a:p>
-            <a:pPr lvl="3">
-              <a:buSzPct val="25000"/>
-              <a:buFont typeface="StarSymbol"/>
-              <a:buChar char=""/>
-            </a:pPr>
-            <a:r>
-              <a:rPr lang="en-US"/>
-              <a:t>Fourth Outline Level</a:t>
-            </a:r>
-            <a:endParaRPr/>
-          </a:p>
-          <a:p>
-            <a:pPr lvl="4">
-              <a:buSzPct val="25000"/>
-              <a:buFont typeface="StarSymbol"/>
-              <a:buChar char=""/>
-            </a:pPr>
-            <a:r>
-              <a:rPr lang="en-US"/>
-              <a:t>Fifth Outline Level</a:t>
-            </a:r>
-            <a:endParaRPr/>
-          </a:p>
-          <a:p>
-            <a:pPr lvl="5">
-              <a:buSzPct val="25000"/>
-              <a:buFont typeface="StarSymbol"/>
-              <a:buChar char=""/>
-            </a:pPr>
-            <a:r>
-              <a:rPr lang="en-US"/>
-              <a:t>Sixth Outline Level</a:t>
-            </a:r>
-            <a:endParaRPr/>
-          </a:p>
-          <a:p>
-            <a:pPr lvl="6">
-              <a:buSzPct val="25000"/>
-              <a:buFont typeface="StarSymbol"/>
-              <a:buChar char=""/>
-            </a:pPr>
-            <a:r>
-              <a:rPr lang="en-US"/>
-              <a:t>Seventh Outline Level</a:t>
-            </a:r>
-            <a:endParaRPr/>
-          </a:p>
-        </p:txBody>
-      </p:sp>
-      <p:sp>
-        <p:nvSpPr>
-          <p:cNvPr id="84" name="PlaceHolder 3"/>
-          <p:cNvSpPr>
-            <a:spLocks noGrp="1"/>
-          </p:cNvSpPr>
-          <p:nvPr>
-            <p:ph type="dt"/>
-          </p:nvPr>
-        </p:nvSpPr>
-        <p:spPr>
-          <a:xfrm>
-            <a:off x="457200" y="6247440"/>
-            <a:ext cx="2130120" cy="473040"/>
-          </a:xfrm>
-          <a:prstGeom prst="rect">
-            <a:avLst/>
-          </a:prstGeom>
-        </p:spPr>
-        <p:txBody>
-          <a:bodyPr bIns="0" lIns="0" rIns="0" tIns="0" wrap="none"/>
-          <a:p>
-            <a:r>
-              <a:rPr lang="en-US"/>
-              <a:t>&lt;date/time&gt;</a:t>
-            </a:r>
-            <a:endParaRPr/>
-          </a:p>
-        </p:txBody>
-      </p:sp>
-      <p:sp>
-        <p:nvSpPr>
-          <p:cNvPr id="85" name="PlaceHolder 4"/>
-          <p:cNvSpPr>
-            <a:spLocks noGrp="1"/>
-          </p:cNvSpPr>
-          <p:nvPr>
-            <p:ph type="ftr"/>
-          </p:nvPr>
-        </p:nvSpPr>
-        <p:spPr>
-          <a:xfrm>
-            <a:off x="3126960" y="6247440"/>
-            <a:ext cx="2898360" cy="473040"/>
-          </a:xfrm>
-          <a:prstGeom prst="rect">
-            <a:avLst/>
-          </a:prstGeom>
-        </p:spPr>
-        <p:txBody>
-          <a:bodyPr bIns="0" lIns="0" rIns="0" tIns="0" wrap="none"/>
-          <a:p>
-            <a:pPr algn="ctr"/>
-            <a:r>
-              <a:rPr lang="en-US"/>
-              <a:t>&lt;footer&gt;</a:t>
-            </a:r>
-            <a:endParaRPr/>
-          </a:p>
-        </p:txBody>
-      </p:sp>
-      <p:sp>
-        <p:nvSpPr>
-          <p:cNvPr id="86" name="PlaceHolder 5"/>
-          <p:cNvSpPr>
-            <a:spLocks noGrp="1"/>
-          </p:cNvSpPr>
-          <p:nvPr>
-            <p:ph type="sldNum"/>
-          </p:nvPr>
-        </p:nvSpPr>
-        <p:spPr>
-          <a:xfrm>
-            <a:off x="6555960" y="6247440"/>
-            <a:ext cx="2130120" cy="473040"/>
-          </a:xfrm>
-          <a:prstGeom prst="rect">
-            <a:avLst/>
-          </a:prstGeom>
-        </p:spPr>
-        <p:txBody>
-          <a:bodyPr bIns="0" lIns="0" rIns="0" tIns="0" wrap="none"/>
-          <a:p>
-            <a:pPr algn="r"/>
-            <a:fld id="{8311481B-B31C-4B37-AE53-FE8B9351CED0}" type="slidenum">
-              <a:rPr lang="en-US"/>
-              <a:t>&lt;number&gt;</a:t>
-            </a:fld>
-            <a:endParaRPr/>
-          </a:p>
-        </p:txBody>
-      </p:sp>
-    </p:spTree>
-  </p:cSld>
-  <p:clrMap accent1="accent1" accent2="accent2" accent3="accent3" accent4="accent4" accent5="accent5" accent6="accent6" bg1="lt1" bg2="lt2" folHlink="folHlink" hlink="hlink" tx1="dk1" tx2="dk2"/>
-  <p:sldLayoutIdLst>
-    <p:sldLayoutId id="2147483675" r:id="rId2"/>
-    <p:sldLayoutId id="2147483676" r:id="rId3"/>
-    <p:sldLayoutId id="2147483677" r:id="rId4"/>
-    <p:sldLayoutId id="2147483678" r:id="rId5"/>
-    <p:sldLayoutId id="2147483679" r:id="rId6"/>
-    <p:sldLayoutId id="2147483680" r:id="rId7"/>
-    <p:sldLayoutId id="2147483681" r:id="rId8"/>
-    <p:sldLayoutId id="2147483682" r:id="rId9"/>
-    <p:sldLayoutId id="2147483683" r:id="rId10"/>
-    <p:sldLayoutId id="2147483684" r:id="rId11"/>
-    <p:sldLayoutId id="2147483685" r:id="rId12"/>
-    <p:sldLayoutId id="2147483686" r:id="rId13"/>
+    <p:sldLayoutId id="2147483662" r:id="rId2"/>
+    <p:sldLayoutId id="2147483663" r:id="rId3"/>
+    <p:sldLayoutId id="2147483664" r:id="rId4"/>
+    <p:sldLayoutId id="2147483665" r:id="rId5"/>
+    <p:sldLayoutId id="2147483666" r:id="rId6"/>
+    <p:sldLayoutId id="2147483667" r:id="rId7"/>
+    <p:sldLayoutId id="2147483668" r:id="rId8"/>
+    <p:sldLayoutId id="2147483669" r:id="rId9"/>
+    <p:sldLayoutId id="2147483670" r:id="rId10"/>
+    <p:sldLayoutId id="2147483671" r:id="rId11"/>
+    <p:sldLayoutId id="2147483672" r:id="rId12"/>
+    <p:sldLayoutId id="2147483673" r:id="rId13"/>
   </p:sldLayoutIdLst>
 </p:sldMaster>
 </file>
@@ -4613,14 +2617,14 @@
       </p:grpSpPr>
       <p:sp>
         <p:nvSpPr>
-          <p:cNvPr id="119" name="TextShape 1"/>
-          <p:cNvSpPr txBox="1"/>
+          <p:cNvPr id="68" name="CustomShape 1"/>
+          <p:cNvSpPr/>
           <p:nvPr/>
         </p:nvSpPr>
         <p:spPr>
           <a:xfrm>
             <a:off x="533520" y="1371600"/>
-            <a:ext cx="7851240" cy="1828440"/>
+            <a:ext cx="7850880" cy="1828080"/>
           </a:xfrm>
           <a:prstGeom prst="rect">
             <a:avLst/>
@@ -4649,14 +2653,14 @@
       </p:sp>
       <p:sp>
         <p:nvSpPr>
-          <p:cNvPr id="120" name="TextShape 2"/>
-          <p:cNvSpPr txBox="1"/>
+          <p:cNvPr id="69" name="CustomShape 2"/>
+          <p:cNvSpPr/>
           <p:nvPr/>
         </p:nvSpPr>
         <p:spPr>
           <a:xfrm>
             <a:off x="533520" y="3228480"/>
-            <a:ext cx="7854480" cy="1752120"/>
+            <a:ext cx="7854120" cy="1751760"/>
           </a:xfrm>
           <a:prstGeom prst="rect">
             <a:avLst/>
@@ -4673,7 +2677,7 @@
             <a:r>
               <a:rPr b="1" lang="en-US">
                 <a:solidFill>
-                  <a:srgbClr val="ffffff"/>
+                  <a:srgbClr val="000000"/>
                 </a:solidFill>
                 <a:latin typeface="Constantia"/>
               </a:rPr>
@@ -4690,7 +2694,7 @@
             <a:r>
               <a:rPr lang="en-US" sz="1600">
                 <a:solidFill>
-                  <a:srgbClr val="ffffff"/>
+                  <a:srgbClr val="000000"/>
                 </a:solidFill>
                 <a:latin typeface="Constantia"/>
               </a:rPr>
@@ -4724,14 +2728,14 @@
       </p:grpSpPr>
       <p:sp>
         <p:nvSpPr>
-          <p:cNvPr id="145" name="TextShape 1"/>
-          <p:cNvSpPr txBox="1"/>
+          <p:cNvPr id="94" name="CustomShape 1"/>
+          <p:cNvSpPr/>
           <p:nvPr/>
         </p:nvSpPr>
         <p:spPr>
           <a:xfrm>
             <a:off x="457200" y="704160"/>
-            <a:ext cx="8229240" cy="591120"/>
+            <a:ext cx="8228880" cy="590760"/>
           </a:xfrm>
           <a:prstGeom prst="rect">
             <a:avLst/>
@@ -4760,14 +2764,14 @@
       </p:sp>
       <p:sp>
         <p:nvSpPr>
-          <p:cNvPr id="146" name="TextShape 2"/>
-          <p:cNvSpPr txBox="1"/>
+          <p:cNvPr id="95" name="CustomShape 2"/>
+          <p:cNvSpPr/>
           <p:nvPr/>
         </p:nvSpPr>
         <p:spPr>
           <a:xfrm>
             <a:off x="457200" y="1371600"/>
-            <a:ext cx="8229240" cy="4952520"/>
+            <a:ext cx="8228880" cy="4952160"/>
           </a:xfrm>
           <a:prstGeom prst="rect">
             <a:avLst/>
@@ -4807,7 +2811,7 @@
       </p:sp>
       <p:pic>
         <p:nvPicPr>
-          <p:cNvPr descr="" id="147" name="Picture 4"/>
+          <p:cNvPr descr="" id="96" name="Picture 4"/>
           <p:cNvPicPr/>
           <p:nvPr/>
         </p:nvPicPr>
@@ -4820,7 +2824,7 @@
         <p:spPr>
           <a:xfrm>
             <a:off x="380880" y="2514600"/>
-            <a:ext cx="7619760" cy="2392920"/>
+            <a:ext cx="7619400" cy="2392560"/>
           </a:xfrm>
           <a:prstGeom prst="rect">
             <a:avLst/>
@@ -4851,14 +2855,14 @@
       </p:grpSpPr>
       <p:sp>
         <p:nvSpPr>
-          <p:cNvPr id="148" name="TextShape 1"/>
-          <p:cNvSpPr txBox="1"/>
+          <p:cNvPr id="97" name="CustomShape 1"/>
+          <p:cNvSpPr/>
           <p:nvPr/>
         </p:nvSpPr>
         <p:spPr>
           <a:xfrm>
             <a:off x="457200" y="704160"/>
-            <a:ext cx="8229240" cy="667080"/>
+            <a:ext cx="8228880" cy="666720"/>
           </a:xfrm>
           <a:prstGeom prst="rect">
             <a:avLst/>
@@ -4887,14 +2891,14 @@
       </p:sp>
       <p:sp>
         <p:nvSpPr>
-          <p:cNvPr id="149" name="TextShape 2"/>
-          <p:cNvSpPr txBox="1"/>
+          <p:cNvPr id="98" name="CustomShape 2"/>
+          <p:cNvSpPr/>
           <p:nvPr/>
         </p:nvSpPr>
         <p:spPr>
           <a:xfrm>
             <a:off x="457200" y="1447920"/>
-            <a:ext cx="8229240" cy="4876560"/>
+            <a:ext cx="8228880" cy="4876200"/>
           </a:xfrm>
           <a:prstGeom prst="rect">
             <a:avLst/>
@@ -5039,7 +3043,7 @@
       </p:sp>
       <p:pic>
         <p:nvPicPr>
-          <p:cNvPr descr="" id="150" name="Picture 4"/>
+          <p:cNvPr descr="" id="99" name="Picture 4"/>
           <p:cNvPicPr/>
           <p:nvPr/>
         </p:nvPicPr>
@@ -5052,7 +3056,7 @@
         <p:spPr>
           <a:xfrm>
             <a:off x="3276720" y="3680280"/>
-            <a:ext cx="3900240" cy="2195640"/>
+            <a:ext cx="3899880" cy="2195280"/>
           </a:xfrm>
           <a:prstGeom prst="rect">
             <a:avLst/>
@@ -5083,14 +3087,14 @@
       </p:grpSpPr>
       <p:sp>
         <p:nvSpPr>
-          <p:cNvPr id="151" name="TextShape 1"/>
-          <p:cNvSpPr txBox="1"/>
+          <p:cNvPr id="100" name="CustomShape 1"/>
+          <p:cNvSpPr/>
           <p:nvPr/>
         </p:nvSpPr>
         <p:spPr>
           <a:xfrm>
             <a:off x="457200" y="704160"/>
-            <a:ext cx="8229240" cy="591120"/>
+            <a:ext cx="8228880" cy="590760"/>
           </a:xfrm>
           <a:prstGeom prst="rect">
             <a:avLst/>
@@ -5119,14 +3123,14 @@
       </p:sp>
       <p:sp>
         <p:nvSpPr>
-          <p:cNvPr id="152" name="TextShape 2"/>
-          <p:cNvSpPr txBox="1"/>
+          <p:cNvPr id="101" name="CustomShape 2"/>
+          <p:cNvSpPr/>
           <p:nvPr/>
         </p:nvSpPr>
         <p:spPr>
           <a:xfrm>
             <a:off x="457200" y="1219320"/>
-            <a:ext cx="8229240" cy="5105160"/>
+            <a:ext cx="8228880" cy="5104800"/>
           </a:xfrm>
           <a:prstGeom prst="rect">
             <a:avLst/>
@@ -5163,7 +3167,7 @@
       </p:sp>
       <p:pic>
         <p:nvPicPr>
-          <p:cNvPr descr="" id="153" name="Picture 4"/>
+          <p:cNvPr descr="" id="102" name="Picture 4"/>
           <p:cNvPicPr/>
           <p:nvPr/>
         </p:nvPicPr>
@@ -5176,7 +3180,7 @@
         <p:spPr>
           <a:xfrm>
             <a:off x="1676520" y="2362320"/>
-            <a:ext cx="6171840" cy="3949920"/>
+            <a:ext cx="6171480" cy="3949560"/>
           </a:xfrm>
           <a:prstGeom prst="rect">
             <a:avLst/>
@@ -5207,14 +3211,14 @@
       </p:grpSpPr>
       <p:sp>
         <p:nvSpPr>
-          <p:cNvPr id="154" name="TextShape 1"/>
-          <p:cNvSpPr txBox="1"/>
+          <p:cNvPr id="103" name="CustomShape 1"/>
+          <p:cNvSpPr/>
           <p:nvPr/>
         </p:nvSpPr>
         <p:spPr>
           <a:xfrm>
             <a:off x="457200" y="704160"/>
-            <a:ext cx="8229240" cy="591120"/>
+            <a:ext cx="8228880" cy="590760"/>
           </a:xfrm>
           <a:prstGeom prst="rect">
             <a:avLst/>
@@ -5243,14 +3247,14 @@
       </p:sp>
       <p:sp>
         <p:nvSpPr>
-          <p:cNvPr id="155" name="TextShape 2"/>
-          <p:cNvSpPr txBox="1"/>
+          <p:cNvPr id="104" name="CustomShape 2"/>
+          <p:cNvSpPr/>
           <p:nvPr/>
         </p:nvSpPr>
         <p:spPr>
           <a:xfrm>
             <a:off x="457200" y="1447920"/>
-            <a:ext cx="8229240" cy="4876560"/>
+            <a:ext cx="8228880" cy="4876200"/>
           </a:xfrm>
           <a:prstGeom prst="rect">
             <a:avLst/>
@@ -5290,7 +3294,7 @@
       </p:sp>
       <p:pic>
         <p:nvPicPr>
-          <p:cNvPr descr="" id="156" name="Picture 3"/>
+          <p:cNvPr descr="" id="105" name="Picture 3"/>
           <p:cNvPicPr/>
           <p:nvPr/>
         </p:nvPicPr>
@@ -5303,7 +3307,7 @@
         <p:spPr>
           <a:xfrm>
             <a:off x="1981080" y="2590920"/>
-            <a:ext cx="4571640" cy="3686040"/>
+            <a:ext cx="4571280" cy="3685680"/>
           </a:xfrm>
           <a:prstGeom prst="rect">
             <a:avLst/>
@@ -5334,14 +3338,14 @@
       </p:grpSpPr>
       <p:sp>
         <p:nvSpPr>
-          <p:cNvPr id="157" name="TextShape 1"/>
-          <p:cNvSpPr txBox="1"/>
+          <p:cNvPr id="106" name="CustomShape 1"/>
+          <p:cNvSpPr/>
           <p:nvPr/>
         </p:nvSpPr>
         <p:spPr>
           <a:xfrm>
             <a:off x="457200" y="704160"/>
-            <a:ext cx="8229240" cy="743400"/>
+            <a:ext cx="8228880" cy="743040"/>
           </a:xfrm>
           <a:prstGeom prst="rect">
             <a:avLst/>
@@ -5370,14 +3374,14 @@
       </p:sp>
       <p:sp>
         <p:nvSpPr>
-          <p:cNvPr id="158" name="TextShape 2"/>
-          <p:cNvSpPr txBox="1"/>
+          <p:cNvPr id="107" name="CustomShape 2"/>
+          <p:cNvSpPr/>
           <p:nvPr/>
         </p:nvSpPr>
         <p:spPr>
           <a:xfrm>
             <a:off x="457200" y="1523880"/>
-            <a:ext cx="8229240" cy="4800240"/>
+            <a:ext cx="8228880" cy="4799880"/>
           </a:xfrm>
           <a:prstGeom prst="rect">
             <a:avLst/>
@@ -5409,10 +3413,10 @@
               </a:lnSpc>
               <a:buSzPct val="25000"/>
               <a:buFont typeface="StarSymbol"/>
-              <a:buChar char=""/>
-            </a:pPr>
-            <a:r>
-              <a:rPr lang="en-US">
+              <a:buChar char="l"/>
+            </a:pPr>
+            <a:r>
+              <a:rPr lang="en-US" sz="2600">
                 <a:solidFill>
                   <a:srgbClr val="000000"/>
                 </a:solidFill>
@@ -5421,7 +3425,7 @@
               <a:t>Capital stock = manmade capital, human capital and </a:t>
             </a:r>
             <a:r>
-              <a:rPr b="1" lang="en-US">
+              <a:rPr b="1" lang="en-US" sz="2600">
                 <a:solidFill>
                   <a:srgbClr val="000000"/>
                 </a:solidFill>
@@ -5432,6 +3436,11 @@
             <a:endParaRPr/>
           </a:p>
           <a:p>
+            <a:pPr>
+              <a:lnSpc>
+                <a:spcPct val="100000"/>
+              </a:lnSpc>
+            </a:pPr>
             <a:endParaRPr/>
           </a:p>
           <a:p>
@@ -5452,13 +3461,13 @@
             <a:endParaRPr/>
           </a:p>
           <a:p>
-            <a:pPr lvl="2">
+            <a:pPr lvl="1">
               <a:lnSpc>
                 <a:spcPct val="100000"/>
               </a:lnSpc>
               <a:buSzPct val="25000"/>
               <a:buFont typeface="StarSymbol"/>
-              <a:buChar char=""/>
+              <a:buChar char="l"/>
             </a:pPr>
             <a:r>
               <a:rPr lang="en-US" sz="2100">
@@ -5472,6 +3481,11 @@
             <a:endParaRPr/>
           </a:p>
           <a:p>
+            <a:pPr>
+              <a:lnSpc>
+                <a:spcPct val="100000"/>
+              </a:lnSpc>
+            </a:pPr>
             <a:endParaRPr/>
           </a:p>
           <a:p>
@@ -5507,7 +3521,7 @@
               </a:lnSpc>
               <a:buSzPct val="25000"/>
               <a:buFont typeface="StarSymbol"/>
-              <a:buChar char=""/>
+              <a:buChar char="l"/>
             </a:pPr>
             <a:r>
               <a:rPr b="1" lang="en-US" sz="2400">
@@ -5530,13 +3544,13 @@
             <a:endParaRPr/>
           </a:p>
           <a:p>
-            <a:pPr lvl="2">
+            <a:pPr lvl="1">
               <a:lnSpc>
                 <a:spcPct val="100000"/>
               </a:lnSpc>
               <a:buSzPct val="25000"/>
               <a:buFont typeface="StarSymbol"/>
-              <a:buChar char=""/>
+              <a:buChar char="l"/>
             </a:pPr>
             <a:r>
               <a:rPr lang="en-US" sz="2100">
@@ -5556,7 +3570,7 @@
               </a:lnSpc>
               <a:buSzPct val="25000"/>
               <a:buFont typeface="StarSymbol"/>
-              <a:buChar char=""/>
+              <a:buChar char="l"/>
             </a:pPr>
             <a:r>
               <a:rPr b="1" lang="en-US" sz="2400">
@@ -5579,13 +3593,13 @@
             <a:endParaRPr/>
           </a:p>
           <a:p>
-            <a:pPr lvl="2">
+            <a:pPr lvl="1">
               <a:lnSpc>
                 <a:spcPct val="100000"/>
               </a:lnSpc>
               <a:buSzPct val="25000"/>
               <a:buFont typeface="StarSymbol"/>
-              <a:buChar char=""/>
+              <a:buChar char="l"/>
             </a:pPr>
             <a:r>
               <a:rPr lang="en-US" sz="2100">
@@ -5636,7 +3650,7 @@
                                           </p:stCondLst>
                                         </p:cTn>
                                         <p:tgtEl>
-                                          <p:spTgt spid="158">
+                                          <p:spTgt spid="107">
                                             <p:txEl>
                                               <p:pRg end="35" st="0"/>
                                             </p:txEl>
@@ -5667,9 +3681,9 @@
                                           </p:stCondLst>
                                         </p:cTn>
                                         <p:tgtEl>
-                                          <p:spTgt spid="158">
+                                          <p:spTgt spid="107">
                                             <p:txEl>
-                                              <p:pRg end="102" st="35"/>
+                                              <p:pRg end="532" st="532"/>
                                             </p:txEl>
                                           </p:spTgt>
                                         </p:tgtEl>
@@ -5716,9 +3730,9 @@
                                           </p:stCondLst>
                                         </p:cTn>
                                         <p:tgtEl>
-                                          <p:spTgt spid="158">
+                                          <p:spTgt spid="107">
                                             <p:txEl>
-                                              <p:pRg end="143" st="103"/>
+                                              <p:pRg end="532" st="532"/>
                                             </p:txEl>
                                           </p:spTgt>
                                         </p:tgtEl>
@@ -5747,9 +3761,9 @@
                                           </p:stCondLst>
                                         </p:cTn>
                                         <p:tgtEl>
-                                          <p:spTgt spid="158">
+                                          <p:spTgt spid="107">
                                             <p:txEl>
-                                              <p:pRg end="196" st="143"/>
+                                              <p:pRg end="532" st="532"/>
                                             </p:txEl>
                                           </p:spTgt>
                                         </p:tgtEl>
@@ -5796,9 +3810,9 @@
                                           </p:stCondLst>
                                         </p:cTn>
                                         <p:tgtEl>
-                                          <p:spTgt spid="158">
+                                          <p:spTgt spid="107">
                                             <p:txEl>
-                                              <p:pRg end="297" st="197"/>
+                                              <p:pRg end="532" st="532"/>
                                             </p:txEl>
                                           </p:spTgt>
                                         </p:tgtEl>
@@ -5845,9 +3859,9 @@
                                           </p:stCondLst>
                                         </p:cTn>
                                         <p:tgtEl>
-                                          <p:spTgt spid="158">
+                                          <p:spTgt spid="107">
                                             <p:txEl>
-                                              <p:pRg end="340" st="297"/>
+                                              <p:pRg end="532" st="532"/>
                                             </p:txEl>
                                           </p:spTgt>
                                         </p:tgtEl>
@@ -5876,9 +3890,9 @@
                                           </p:stCondLst>
                                         </p:cTn>
                                         <p:tgtEl>
-                                          <p:spTgt spid="158">
+                                          <p:spTgt spid="107">
                                             <p:txEl>
-                                              <p:pRg end="415" st="340"/>
+                                              <p:pRg end="532" st="532"/>
                                             </p:txEl>
                                           </p:spTgt>
                                         </p:tgtEl>
@@ -5925,9 +3939,9 @@
                                           </p:stCondLst>
                                         </p:cTn>
                                         <p:tgtEl>
-                                          <p:spTgt spid="158">
+                                          <p:spTgt spid="107">
                                             <p:txEl>
-                                              <p:pRg end="461" st="415"/>
+                                              <p:pRg end="532" st="532"/>
                                             </p:txEl>
                                           </p:spTgt>
                                         </p:tgtEl>
@@ -5956,9 +3970,9 @@
                                           </p:stCondLst>
                                         </p:cTn>
                                         <p:tgtEl>
-                                          <p:spTgt spid="158">
+                                          <p:spTgt spid="107">
                                             <p:txEl>
-                                              <p:pRg end="532" st="461"/>
+                                              <p:pRg end="532" st="532"/>
                                             </p:txEl>
                                           </p:spTgt>
                                         </p:tgtEl>
@@ -6023,14 +4037,14 @@
       </p:grpSpPr>
       <p:sp>
         <p:nvSpPr>
-          <p:cNvPr id="159" name="TextShape 1"/>
-          <p:cNvSpPr txBox="1"/>
+          <p:cNvPr id="108" name="CustomShape 1"/>
+          <p:cNvSpPr/>
           <p:nvPr/>
         </p:nvSpPr>
         <p:spPr>
           <a:xfrm>
             <a:off x="457200" y="704160"/>
-            <a:ext cx="8229240" cy="438480"/>
+            <a:ext cx="8228880" cy="438120"/>
           </a:xfrm>
           <a:prstGeom prst="rect">
             <a:avLst/>
@@ -6059,14 +4073,14 @@
       </p:sp>
       <p:sp>
         <p:nvSpPr>
-          <p:cNvPr id="160" name="TextShape 2"/>
-          <p:cNvSpPr txBox="1"/>
+          <p:cNvPr id="109" name="CustomShape 2"/>
+          <p:cNvSpPr/>
           <p:nvPr/>
         </p:nvSpPr>
         <p:spPr>
           <a:xfrm>
             <a:off x="457200" y="1219320"/>
-            <a:ext cx="8229240" cy="5105160"/>
+            <a:ext cx="8228880" cy="5104800"/>
           </a:xfrm>
           <a:prstGeom prst="rect">
             <a:avLst/>
@@ -6138,7 +4152,7 @@
       </p:sp>
       <p:pic>
         <p:nvPicPr>
-          <p:cNvPr descr="" id="161" name="Picture 3"/>
+          <p:cNvPr descr="" id="110" name="Picture 3"/>
           <p:cNvPicPr/>
           <p:nvPr/>
         </p:nvPicPr>
@@ -6151,7 +4165,7 @@
         <p:spPr>
           <a:xfrm>
             <a:off x="2286000" y="3657600"/>
-            <a:ext cx="4419360" cy="2700360"/>
+            <a:ext cx="4419000" cy="2700000"/>
           </a:xfrm>
           <a:prstGeom prst="rect">
             <a:avLst/>
@@ -6194,7 +4208,7 @@
                                           </p:stCondLst>
                                         </p:cTn>
                                         <p:tgtEl>
-                                          <p:spTgt spid="160">
+                                          <p:spTgt spid="109">
                                             <p:txEl>
                                               <p:pRg end="96" st="0"/>
                                             </p:txEl>
@@ -6243,9 +4257,9 @@
                                           </p:stCondLst>
                                         </p:cTn>
                                         <p:tgtEl>
-                                          <p:spTgt spid="160">
+                                          <p:spTgt spid="109">
                                             <p:txEl>
-                                              <p:pRg end="259" st="96"/>
+                                              <p:pRg end="305" st="305"/>
                                             </p:txEl>
                                           </p:spTgt>
                                         </p:tgtEl>
@@ -6292,9 +4306,9 @@
                                           </p:stCondLst>
                                         </p:cTn>
                                         <p:tgtEl>
-                                          <p:spTgt spid="160">
+                                          <p:spTgt spid="109">
                                             <p:txEl>
-                                              <p:pRg end="305" st="259"/>
+                                              <p:pRg end="305" st="305"/>
                                             </p:txEl>
                                           </p:spTgt>
                                         </p:tgtEl>
@@ -6323,7 +4337,7 @@
                                           </p:stCondLst>
                                         </p:cTn>
                                         <p:tgtEl>
-                                          <p:spTgt spid="161"/>
+                                          <p:spTgt spid="110"/>
                                         </p:tgtEl>
                                         <p:attrNameLst>
                                           <p:attrName>style.visibility</p:attrName>
@@ -6386,14 +4400,14 @@
       </p:grpSpPr>
       <p:sp>
         <p:nvSpPr>
-          <p:cNvPr id="162" name="TextShape 1"/>
-          <p:cNvSpPr txBox="1"/>
+          <p:cNvPr id="111" name="CustomShape 1"/>
+          <p:cNvSpPr/>
           <p:nvPr/>
         </p:nvSpPr>
         <p:spPr>
           <a:xfrm>
             <a:off x="457200" y="609480"/>
-            <a:ext cx="8229240" cy="837720"/>
+            <a:ext cx="8228880" cy="837360"/>
           </a:xfrm>
           <a:prstGeom prst="rect">
             <a:avLst/>
@@ -6422,14 +4436,14 @@
       </p:sp>
       <p:sp>
         <p:nvSpPr>
-          <p:cNvPr id="163" name="TextShape 2"/>
-          <p:cNvSpPr txBox="1"/>
+          <p:cNvPr id="112" name="CustomShape 2"/>
+          <p:cNvSpPr/>
           <p:nvPr/>
         </p:nvSpPr>
         <p:spPr>
           <a:xfrm>
             <a:off x="457200" y="1523880"/>
-            <a:ext cx="8229240" cy="4800240"/>
+            <a:ext cx="8228880" cy="4799880"/>
           </a:xfrm>
           <a:prstGeom prst="rect">
             <a:avLst/>
@@ -6515,7 +4529,7 @@
                                           </p:stCondLst>
                                         </p:cTn>
                                         <p:tgtEl>
-                                          <p:spTgt spid="163">
+                                          <p:spTgt spid="112">
                                             <p:txEl>
                                               <p:pRg end="83" st="0"/>
                                             </p:txEl>
@@ -6564,9 +4578,9 @@
                                           </p:stCondLst>
                                         </p:cTn>
                                         <p:tgtEl>
-                                          <p:spTgt spid="163">
+                                          <p:spTgt spid="112">
                                             <p:txEl>
-                                              <p:pRg end="241" st="83"/>
+                                              <p:pRg end="241" st="241"/>
                                             </p:txEl>
                                           </p:spTgt>
                                         </p:tgtEl>
@@ -6631,14 +4645,14 @@
       </p:grpSpPr>
       <p:sp>
         <p:nvSpPr>
-          <p:cNvPr id="121" name="TextShape 1"/>
-          <p:cNvSpPr txBox="1"/>
+          <p:cNvPr id="70" name="CustomShape 1"/>
+          <p:cNvSpPr/>
           <p:nvPr/>
         </p:nvSpPr>
         <p:spPr>
           <a:xfrm>
             <a:off x="457200" y="704160"/>
-            <a:ext cx="8229240" cy="591120"/>
+            <a:ext cx="8228880" cy="590760"/>
           </a:xfrm>
           <a:prstGeom prst="rect">
             <a:avLst/>
@@ -6667,14 +4681,14 @@
       </p:sp>
       <p:sp>
         <p:nvSpPr>
-          <p:cNvPr id="122" name="TextShape 2"/>
-          <p:cNvSpPr txBox="1"/>
+          <p:cNvPr id="71" name="CustomShape 2"/>
+          <p:cNvSpPr/>
           <p:nvPr/>
         </p:nvSpPr>
         <p:spPr>
           <a:xfrm>
             <a:off x="457200" y="1371600"/>
-            <a:ext cx="8229240" cy="4952520"/>
+            <a:ext cx="8228880" cy="4952160"/>
           </a:xfrm>
           <a:prstGeom prst="rect">
             <a:avLst/>
@@ -6703,7 +4717,7 @@
       </p:sp>
       <p:pic>
         <p:nvPicPr>
-          <p:cNvPr descr="" id="123" name="Picture 3"/>
+          <p:cNvPr descr="" id="72" name="Picture 3"/>
           <p:cNvPicPr/>
           <p:nvPr/>
         </p:nvPicPr>
@@ -6716,7 +4730,7 @@
         <p:spPr>
           <a:xfrm>
             <a:off x="5638680" y="1981080"/>
-            <a:ext cx="2742840" cy="1891440"/>
+            <a:ext cx="2742480" cy="1891080"/>
           </a:xfrm>
           <a:prstGeom prst="rect">
             <a:avLst/>
@@ -6725,7 +4739,7 @@
       </p:pic>
       <p:pic>
         <p:nvPicPr>
-          <p:cNvPr descr="" id="124" name="Picture 5"/>
+          <p:cNvPr descr="" id="73" name="Picture 5"/>
           <p:cNvPicPr/>
           <p:nvPr/>
         </p:nvPicPr>
@@ -6738,7 +4752,7 @@
         <p:spPr>
           <a:xfrm>
             <a:off x="838080" y="3276720"/>
-            <a:ext cx="3047760" cy="2412720"/>
+            <a:ext cx="3047400" cy="2412360"/>
           </a:xfrm>
           <a:prstGeom prst="rect">
             <a:avLst/>
@@ -6747,7 +4761,7 @@
       </p:pic>
       <p:pic>
         <p:nvPicPr>
-          <p:cNvPr descr="" id="125" name="Picture 6"/>
+          <p:cNvPr descr="" id="74" name="Picture 6"/>
           <p:cNvPicPr/>
           <p:nvPr/>
         </p:nvPicPr>
@@ -6760,7 +4774,7 @@
         <p:spPr>
           <a:xfrm>
             <a:off x="4724280" y="3941280"/>
-            <a:ext cx="3250800" cy="2437920"/>
+            <a:ext cx="3250440" cy="2437560"/>
           </a:xfrm>
           <a:prstGeom prst="rect">
             <a:avLst/>
@@ -6791,14 +4805,14 @@
       </p:grpSpPr>
       <p:sp>
         <p:nvSpPr>
-          <p:cNvPr id="126" name="TextShape 1"/>
-          <p:cNvSpPr txBox="1"/>
+          <p:cNvPr id="75" name="CustomShape 1"/>
+          <p:cNvSpPr/>
           <p:nvPr/>
         </p:nvSpPr>
         <p:spPr>
           <a:xfrm>
             <a:off x="457200" y="704160"/>
-            <a:ext cx="8229240" cy="591120"/>
+            <a:ext cx="8228880" cy="590760"/>
           </a:xfrm>
           <a:prstGeom prst="rect">
             <a:avLst/>
@@ -6827,14 +4841,14 @@
       </p:sp>
       <p:sp>
         <p:nvSpPr>
-          <p:cNvPr id="127" name="TextShape 2"/>
-          <p:cNvSpPr txBox="1"/>
+          <p:cNvPr id="76" name="CustomShape 2"/>
+          <p:cNvSpPr/>
           <p:nvPr/>
         </p:nvSpPr>
         <p:spPr>
           <a:xfrm>
             <a:off x="457200" y="1295280"/>
-            <a:ext cx="8229240" cy="5028840"/>
+            <a:ext cx="8228880" cy="5028480"/>
           </a:xfrm>
           <a:prstGeom prst="rect">
             <a:avLst/>
@@ -6975,7 +4989,7 @@
               </a:lnSpc>
               <a:buSzPct val="25000"/>
               <a:buFont typeface="StarSymbol"/>
-              <a:buChar char=""/>
+              <a:buChar char="l"/>
             </a:pPr>
             <a:r>
               <a:rPr lang="en-US" sz="2400">
@@ -7034,7 +5048,7 @@
                                           </p:stCondLst>
                                         </p:cTn>
                                         <p:tgtEl>
-                                          <p:spTgt spid="127">
+                                          <p:spTgt spid="76">
                                             <p:txEl>
                                               <p:pRg end="47" st="1"/>
                                             </p:txEl>
@@ -7083,9 +5097,9 @@
                                           </p:stCondLst>
                                         </p:cTn>
                                         <p:tgtEl>
-                                          <p:spTgt spid="127">
+                                          <p:spTgt spid="76">
                                             <p:txEl>
-                                              <p:pRg end="120" st="47"/>
+                                              <p:pRg end="325" st="325"/>
                                             </p:txEl>
                                           </p:spTgt>
                                         </p:tgtEl>
@@ -7132,9 +5146,9 @@
                                           </p:stCondLst>
                                         </p:cTn>
                                         <p:tgtEl>
-                                          <p:spTgt spid="127">
+                                          <p:spTgt spid="76">
                                             <p:txEl>
-                                              <p:pRg end="190" st="120"/>
+                                              <p:pRg end="325" st="325"/>
                                             </p:txEl>
                                           </p:spTgt>
                                         </p:tgtEl>
@@ -7181,9 +5195,9 @@
                                           </p:stCondLst>
                                         </p:cTn>
                                         <p:tgtEl>
-                                          <p:spTgt spid="127">
+                                          <p:spTgt spid="76">
                                             <p:txEl>
-                                              <p:pRg end="228" st="190"/>
+                                              <p:pRg end="325" st="325"/>
                                             </p:txEl>
                                           </p:spTgt>
                                         </p:tgtEl>
@@ -7230,9 +5244,9 @@
                                           </p:stCondLst>
                                         </p:cTn>
                                         <p:tgtEl>
-                                          <p:spTgt spid="127">
+                                          <p:spTgt spid="76">
                                             <p:txEl>
-                                              <p:pRg end="264" st="228"/>
+                                              <p:pRg end="325" st="325"/>
                                             </p:txEl>
                                           </p:spTgt>
                                         </p:tgtEl>
@@ -7261,9 +5275,9 @@
                                           </p:stCondLst>
                                         </p:cTn>
                                         <p:tgtEl>
-                                          <p:spTgt spid="127">
+                                          <p:spTgt spid="76">
                                             <p:txEl>
-                                              <p:pRg end="324" st="264"/>
+                                              <p:pRg end="325" st="325"/>
                                             </p:txEl>
                                           </p:spTgt>
                                         </p:tgtEl>
@@ -7328,14 +5342,14 @@
       </p:grpSpPr>
       <p:sp>
         <p:nvSpPr>
-          <p:cNvPr id="128" name="TextShape 1"/>
-          <p:cNvSpPr txBox="1"/>
+          <p:cNvPr id="77" name="CustomShape 1"/>
+          <p:cNvSpPr/>
           <p:nvPr/>
         </p:nvSpPr>
         <p:spPr>
           <a:xfrm>
             <a:off x="457200" y="704160"/>
-            <a:ext cx="8229240" cy="591120"/>
+            <a:ext cx="8228880" cy="590760"/>
           </a:xfrm>
           <a:prstGeom prst="rect">
             <a:avLst/>
@@ -7364,14 +5378,14 @@
       </p:sp>
       <p:sp>
         <p:nvSpPr>
-          <p:cNvPr id="129" name="TextShape 2"/>
-          <p:cNvSpPr txBox="1"/>
+          <p:cNvPr id="78" name="CustomShape 2"/>
+          <p:cNvSpPr/>
           <p:nvPr/>
         </p:nvSpPr>
         <p:spPr>
           <a:xfrm>
             <a:off x="457200" y="1447920"/>
-            <a:ext cx="8229240" cy="4876560"/>
+            <a:ext cx="8228880" cy="4876200"/>
           </a:xfrm>
           <a:prstGeom prst="rect">
             <a:avLst/>
@@ -7415,7 +5429,7 @@
               </a:lnSpc>
               <a:buSzPct val="25000"/>
               <a:buFont typeface="StarSymbol"/>
-              <a:buChar char=""/>
+              <a:buChar char="l"/>
             </a:pPr>
             <a:r>
               <a:rPr lang="en-US" sz="2400">
@@ -7554,7 +5568,7 @@
                                           </p:stCondLst>
                                         </p:cTn>
                                         <p:tgtEl>
-                                          <p:spTgt spid="129">
+                                          <p:spTgt spid="78">
                                             <p:txEl>
                                               <p:pRg end="73" st="0"/>
                                             </p:txEl>
@@ -7585,9 +5599,9 @@
                                           </p:stCondLst>
                                         </p:cTn>
                                         <p:tgtEl>
-                                          <p:spTgt spid="129">
+                                          <p:spTgt spid="78">
                                             <p:txEl>
-                                              <p:pRg end="99" st="73"/>
+                                              <p:pRg end="526" st="526"/>
                                             </p:txEl>
                                           </p:spTgt>
                                         </p:tgtEl>
@@ -7634,9 +5648,9 @@
                                           </p:stCondLst>
                                         </p:cTn>
                                         <p:tgtEl>
-                                          <p:spTgt spid="129">
+                                          <p:spTgt spid="78">
                                             <p:txEl>
-                                              <p:pRg end="169" st="99"/>
+                                              <p:pRg end="526" st="526"/>
                                             </p:txEl>
                                           </p:spTgt>
                                         </p:tgtEl>
@@ -7683,9 +5697,9 @@
                                           </p:stCondLst>
                                         </p:cTn>
                                         <p:tgtEl>
-                                          <p:spTgt spid="129">
+                                          <p:spTgt spid="78">
                                             <p:txEl>
-                                              <p:pRg end="462" st="170"/>
+                                              <p:pRg end="526" st="526"/>
                                             </p:txEl>
                                           </p:spTgt>
                                         </p:tgtEl>
@@ -7732,9 +5746,9 @@
                                           </p:stCondLst>
                                         </p:cTn>
                                         <p:tgtEl>
-                                          <p:spTgt spid="129">
+                                          <p:spTgt spid="78">
                                             <p:txEl>
-                                              <p:pRg end="526" st="463"/>
+                                              <p:pRg end="526" st="526"/>
                                             </p:txEl>
                                           </p:spTgt>
                                         </p:tgtEl>
@@ -7799,14 +5813,14 @@
       </p:grpSpPr>
       <p:sp>
         <p:nvSpPr>
-          <p:cNvPr id="130" name="TextShape 1"/>
-          <p:cNvSpPr txBox="1"/>
+          <p:cNvPr id="79" name="CustomShape 1"/>
+          <p:cNvSpPr/>
           <p:nvPr/>
         </p:nvSpPr>
         <p:spPr>
           <a:xfrm>
             <a:off x="457200" y="704160"/>
-            <a:ext cx="8229240" cy="667080"/>
+            <a:ext cx="8228880" cy="666720"/>
           </a:xfrm>
           <a:prstGeom prst="rect">
             <a:avLst/>
@@ -7835,14 +5849,14 @@
       </p:sp>
       <p:sp>
         <p:nvSpPr>
-          <p:cNvPr id="131" name="TextShape 2"/>
-          <p:cNvSpPr txBox="1"/>
+          <p:cNvPr id="80" name="CustomShape 2"/>
+          <p:cNvSpPr/>
           <p:nvPr/>
         </p:nvSpPr>
         <p:spPr>
           <a:xfrm>
             <a:off x="457200" y="1447920"/>
-            <a:ext cx="8229240" cy="4876560"/>
+            <a:ext cx="8228880" cy="4876200"/>
           </a:xfrm>
           <a:prstGeom prst="rect">
             <a:avLst/>
@@ -7902,7 +5916,7 @@
       </p:sp>
       <p:pic>
         <p:nvPicPr>
-          <p:cNvPr descr="" id="132" name="Picture 3"/>
+          <p:cNvPr descr="" id="81" name="Picture 3"/>
           <p:cNvPicPr/>
           <p:nvPr/>
         </p:nvPicPr>
@@ -7915,7 +5929,7 @@
         <p:spPr>
           <a:xfrm>
             <a:off x="2057400" y="3048120"/>
-            <a:ext cx="4647960" cy="3116880"/>
+            <a:ext cx="4647600" cy="3116520"/>
           </a:xfrm>
           <a:prstGeom prst="rect">
             <a:avLst/>
@@ -7958,7 +5972,7 @@
                                           </p:stCondLst>
                                         </p:cTn>
                                         <p:tgtEl>
-                                          <p:spTgt spid="131">
+                                          <p:spTgt spid="80">
                                             <p:txEl>
                                               <p:pRg end="52" st="0"/>
                                             </p:txEl>
@@ -8007,9 +6021,9 @@
                                           </p:stCondLst>
                                         </p:cTn>
                                         <p:tgtEl>
-                                          <p:spTgt spid="131">
+                                          <p:spTgt spid="80">
                                             <p:txEl>
-                                              <p:pRg end="147" st="52"/>
+                                              <p:pRg end="148" st="148"/>
                                             </p:txEl>
                                           </p:spTgt>
                                         </p:tgtEl>
@@ -8056,7 +6070,7 @@
                                           </p:stCondLst>
                                         </p:cTn>
                                         <p:tgtEl>
-                                          <p:spTgt spid="132"/>
+                                          <p:spTgt spid="81"/>
                                         </p:tgtEl>
                                         <p:attrNameLst>
                                           <p:attrName>style.visibility</p:attrName>
@@ -8119,14 +6133,14 @@
       </p:grpSpPr>
       <p:sp>
         <p:nvSpPr>
-          <p:cNvPr id="133" name="TextShape 1"/>
-          <p:cNvSpPr txBox="1"/>
+          <p:cNvPr id="82" name="CustomShape 1"/>
+          <p:cNvSpPr/>
           <p:nvPr/>
         </p:nvSpPr>
         <p:spPr>
           <a:xfrm>
             <a:off x="457200" y="704160"/>
-            <a:ext cx="8229240" cy="667080"/>
+            <a:ext cx="8228880" cy="666720"/>
           </a:xfrm>
           <a:prstGeom prst="rect">
             <a:avLst/>
@@ -8155,14 +6169,14 @@
       </p:sp>
       <p:sp>
         <p:nvSpPr>
-          <p:cNvPr id="134" name="TextShape 2"/>
-          <p:cNvSpPr txBox="1"/>
+          <p:cNvPr id="83" name="CustomShape 2"/>
+          <p:cNvSpPr/>
           <p:nvPr/>
         </p:nvSpPr>
         <p:spPr>
           <a:xfrm>
             <a:off x="457200" y="1447920"/>
-            <a:ext cx="8229240" cy="4876560"/>
+            <a:ext cx="8228880" cy="4876200"/>
           </a:xfrm>
           <a:prstGeom prst="rect">
             <a:avLst/>
@@ -8191,7 +6205,7 @@
       </p:sp>
       <p:pic>
         <p:nvPicPr>
-          <p:cNvPr descr="" id="135" name="Picture 3"/>
+          <p:cNvPr descr="" id="84" name="Picture 3"/>
           <p:cNvPicPr/>
           <p:nvPr/>
         </p:nvPicPr>
@@ -8204,7 +6218,7 @@
         <p:spPr>
           <a:xfrm>
             <a:off x="1242000" y="2819520"/>
-            <a:ext cx="6781320" cy="3697920"/>
+            <a:ext cx="6780960" cy="3697560"/>
           </a:xfrm>
           <a:prstGeom prst="rect">
             <a:avLst/>
@@ -8235,14 +6249,14 @@
       </p:grpSpPr>
       <p:sp>
         <p:nvSpPr>
-          <p:cNvPr id="136" name="TextShape 1"/>
-          <p:cNvSpPr txBox="1"/>
+          <p:cNvPr id="85" name="CustomShape 1"/>
+          <p:cNvSpPr/>
           <p:nvPr/>
         </p:nvSpPr>
         <p:spPr>
           <a:xfrm>
             <a:off x="457200" y="704160"/>
-            <a:ext cx="8229240" cy="743400"/>
+            <a:ext cx="8228880" cy="743040"/>
           </a:xfrm>
           <a:prstGeom prst="rect">
             <a:avLst/>
@@ -8271,14 +6285,14 @@
       </p:sp>
       <p:sp>
         <p:nvSpPr>
-          <p:cNvPr id="137" name="TextShape 2"/>
-          <p:cNvSpPr txBox="1"/>
+          <p:cNvPr id="86" name="CustomShape 2"/>
+          <p:cNvSpPr/>
           <p:nvPr/>
         </p:nvSpPr>
         <p:spPr>
           <a:xfrm>
             <a:off x="457200" y="1600200"/>
-            <a:ext cx="8229240" cy="4723920"/>
+            <a:ext cx="8228880" cy="4723560"/>
           </a:xfrm>
           <a:prstGeom prst="rect">
             <a:avLst/>
@@ -8315,7 +6329,7 @@
       </p:sp>
       <p:pic>
         <p:nvPicPr>
-          <p:cNvPr descr="" id="138" name="Content Placeholder 3"/>
+          <p:cNvPr descr="" id="87" name="Content Placeholder 3"/>
           <p:cNvPicPr/>
           <p:nvPr/>
         </p:nvPicPr>
@@ -8328,7 +6342,7 @@
         <p:spPr>
           <a:xfrm>
             <a:off x="1676520" y="2514600"/>
-            <a:ext cx="5486040" cy="3923280"/>
+            <a:ext cx="5485680" cy="3922920"/>
           </a:xfrm>
           <a:prstGeom prst="rect">
             <a:avLst/>
@@ -8359,14 +6373,14 @@
       </p:grpSpPr>
       <p:sp>
         <p:nvSpPr>
-          <p:cNvPr id="139" name="TextShape 1"/>
-          <p:cNvSpPr txBox="1"/>
+          <p:cNvPr id="88" name="CustomShape 1"/>
+          <p:cNvSpPr/>
           <p:nvPr/>
         </p:nvSpPr>
         <p:spPr>
           <a:xfrm>
             <a:off x="457200" y="704160"/>
-            <a:ext cx="8229240" cy="667080"/>
+            <a:ext cx="8228880" cy="666720"/>
           </a:xfrm>
           <a:prstGeom prst="rect">
             <a:avLst/>
@@ -8395,14 +6409,14 @@
       </p:sp>
       <p:sp>
         <p:nvSpPr>
-          <p:cNvPr id="140" name="TextShape 2"/>
-          <p:cNvSpPr txBox="1"/>
+          <p:cNvPr id="89" name="CustomShape 2"/>
+          <p:cNvSpPr/>
           <p:nvPr/>
         </p:nvSpPr>
         <p:spPr>
           <a:xfrm>
             <a:off x="457200" y="1600200"/>
-            <a:ext cx="8229240" cy="4723920"/>
+            <a:ext cx="8228880" cy="4723560"/>
           </a:xfrm>
           <a:prstGeom prst="rect">
             <a:avLst/>
@@ -8434,7 +6448,7 @@
       </p:sp>
       <p:pic>
         <p:nvPicPr>
-          <p:cNvPr descr="" id="141" name="Picture 3"/>
+          <p:cNvPr descr="" id="90" name="Picture 3"/>
           <p:cNvPicPr/>
           <p:nvPr/>
         </p:nvPicPr>
@@ -8447,7 +6461,7 @@
         <p:spPr>
           <a:xfrm>
             <a:off x="914400" y="2743200"/>
-            <a:ext cx="7546320" cy="2666520"/>
+            <a:ext cx="7545960" cy="2666160"/>
           </a:xfrm>
           <a:prstGeom prst="rect">
             <a:avLst/>
@@ -8478,14 +6492,14 @@
       </p:grpSpPr>
       <p:sp>
         <p:nvSpPr>
-          <p:cNvPr id="142" name="TextShape 1"/>
-          <p:cNvSpPr txBox="1"/>
+          <p:cNvPr id="91" name="CustomShape 1"/>
+          <p:cNvSpPr/>
           <p:nvPr/>
         </p:nvSpPr>
         <p:spPr>
           <a:xfrm>
             <a:off x="457200" y="704160"/>
-            <a:ext cx="8229240" cy="743400"/>
+            <a:ext cx="8228880" cy="743040"/>
           </a:xfrm>
           <a:prstGeom prst="rect">
             <a:avLst/>
@@ -8514,14 +6528,14 @@
       </p:sp>
       <p:sp>
         <p:nvSpPr>
-          <p:cNvPr id="143" name="TextShape 2"/>
-          <p:cNvSpPr txBox="1"/>
+          <p:cNvPr id="92" name="CustomShape 2"/>
+          <p:cNvSpPr/>
           <p:nvPr/>
         </p:nvSpPr>
         <p:spPr>
           <a:xfrm>
             <a:off x="457200" y="1523880"/>
-            <a:ext cx="8229240" cy="4800240"/>
+            <a:ext cx="8228880" cy="4799880"/>
           </a:xfrm>
           <a:prstGeom prst="rect">
             <a:avLst/>
@@ -8561,7 +6575,7 @@
       </p:sp>
       <p:pic>
         <p:nvPicPr>
-          <p:cNvPr descr="" id="144" name="Picture 3"/>
+          <p:cNvPr descr="" id="93" name="Picture 3"/>
           <p:cNvPicPr/>
           <p:nvPr/>
         </p:nvPicPr>
@@ -8574,7 +6588,7 @@
         <p:spPr>
           <a:xfrm>
             <a:off x="1676520" y="3015360"/>
-            <a:ext cx="3809520" cy="3481920"/>
+            <a:ext cx="3809160" cy="3481560"/>
           </a:xfrm>
           <a:prstGeom prst="rect">
             <a:avLst/>
@@ -9030,227 +7044,4 @@
     </a:fmtScheme>
   </a:themeElements>
 </a:theme>
-</file>
-
-<file path=ppt/theme/theme3.xml><?xml version="1.0" encoding="utf-8"?>
-<a:theme xmlns:a="http://schemas.openxmlformats.org/drawingml/2006/main" name="Office Theme">
-  <a:themeElements>
-    <a:clrScheme name="Office">
-      <a:dk1>
-        <a:sysClr val="windowText" lastClr="000000"/>
-      </a:dk1>
-      <a:lt1>
-        <a:sysClr val="window" lastClr="FFFFFF"/>
-      </a:lt1>
-      <a:dk2>
-        <a:srgbClr val="1F497D"/>
-      </a:dk2>
-      <a:lt2>
-        <a:srgbClr val="EEECE1"/>
-      </a:lt2>
-      <a:accent1>
-        <a:srgbClr val="4F81BD"/>
-      </a:accent1>
-      <a:accent2>
-        <a:srgbClr val="C0504D"/>
-      </a:accent2>
-      <a:accent3>
-        <a:srgbClr val="9BBB59"/>
-      </a:accent3>
-      <a:accent4>
-        <a:srgbClr val="8064A2"/>
-      </a:accent4>
-      <a:accent5>
-        <a:srgbClr val="4BACC6"/>
-      </a:accent5>
-      <a:accent6>
-        <a:srgbClr val="F79646"/>
-      </a:accent6>
-      <a:hlink>
-        <a:srgbClr val="0000FF"/>
-      </a:hlink>
-      <a:folHlink>
-        <a:srgbClr val="800080"/>
-      </a:folHlink>
-    </a:clrScheme>
-    <a:fontScheme name="Office">
-      <a:majorFont>
-        <a:latin typeface="Arial"/>
-        <a:ea typeface="DejaVu Sans"/>
-        <a:cs typeface="DejaVu Sans"/>
-      </a:majorFont>
-      <a:minorFont>
-        <a:latin typeface="Arial"/>
-        <a:ea typeface="DejaVu Sans"/>
-        <a:cs typeface="DejaVu Sans"/>
-      </a:minorFont>
-    </a:fontScheme>
-    <a:fmtScheme name="Office">
-      <a:fillStyleLst>
-        <a:solidFill>
-          <a:schemeClr val="phClr"/>
-        </a:solidFill>
-        <a:gradFill rotWithShape="1">
-          <a:gsLst>
-            <a:gs pos="0">
-              <a:schemeClr val="phClr">
-                <a:tint val="50000"/>
-                <a:satMod val="300000"/>
-              </a:schemeClr>
-            </a:gs>
-            <a:gs pos="35000">
-              <a:schemeClr val="phClr">
-                <a:tint val="37000"/>
-                <a:satMod val="300000"/>
-              </a:schemeClr>
-            </a:gs>
-            <a:gs pos="100000">
-              <a:schemeClr val="phClr">
-                <a:tint val="15000"/>
-                <a:satMod val="350000"/>
-              </a:schemeClr>
-            </a:gs>
-          </a:gsLst>
-          <a:lin ang="16200000" scaled="1"/>
-        </a:gradFill>
-        <a:gradFill rotWithShape="1">
-          <a:gsLst>
-            <a:gs pos="0">
-              <a:schemeClr val="phClr">
-                <a:shade val="51000"/>
-                <a:satMod val="130000"/>
-              </a:schemeClr>
-            </a:gs>
-            <a:gs pos="80000">
-              <a:schemeClr val="phClr">
-                <a:shade val="93000"/>
-                <a:satMod val="130000"/>
-              </a:schemeClr>
-            </a:gs>
-            <a:gs pos="100000">
-              <a:schemeClr val="phClr">
-                <a:shade val="94000"/>
-                <a:satMod val="135000"/>
-              </a:schemeClr>
-            </a:gs>
-          </a:gsLst>
-          <a:lin ang="16200000" scaled="0"/>
-        </a:gradFill>
-      </a:fillStyleLst>
-      <a:lnStyleLst>
-        <a:ln w="9525" cap="flat" cmpd="sng" algn="ctr">
-          <a:solidFill>
-            <a:schemeClr val="phClr">
-              <a:shade val="95000"/>
-              <a:satMod val="105000"/>
-            </a:schemeClr>
-          </a:solidFill>
-          <a:prstDash val="solid"/>
-        </a:ln>
-        <a:ln w="25400" cap="flat" cmpd="sng" algn="ctr">
-          <a:solidFill>
-            <a:schemeClr val="phClr"/>
-          </a:solidFill>
-          <a:prstDash val="solid"/>
-        </a:ln>
-        <a:ln w="38100" cap="flat" cmpd="sng" algn="ctr">
-          <a:solidFill>
-            <a:schemeClr val="phClr"/>
-          </a:solidFill>
-          <a:prstDash val="solid"/>
-        </a:ln>
-      </a:lnStyleLst>
-      <a:effectStyleLst>
-        <a:effectStyle>
-          <a:effectLst>
-            <a:outerShdw blurRad="40000" dist="20000" dir="5400000" rotWithShape="0">
-              <a:srgbClr val="000000">
-                <a:alpha val="38000"/>
-              </a:srgbClr>
-            </a:outerShdw>
-          </a:effectLst>
-        </a:effectStyle>
-        <a:effectStyle>
-          <a:effectLst>
-            <a:outerShdw blurRad="40000" dist="23000" dir="5400000" rotWithShape="0">
-              <a:srgbClr val="000000">
-                <a:alpha val="35000"/>
-              </a:srgbClr>
-            </a:outerShdw>
-          </a:effectLst>
-        </a:effectStyle>
-        <a:effectStyle>
-          <a:effectLst>
-            <a:outerShdw blurRad="40000" dist="23000" dir="5400000" rotWithShape="0">
-              <a:srgbClr val="000000">
-                <a:alpha val="35000"/>
-              </a:srgbClr>
-            </a:outerShdw>
-          </a:effectLst>
-          <a:scene3d>
-            <a:camera prst="orthographicFront">
-              <a:rot lat="0" lon="0" rev="0"/>
-            </a:camera>
-            <a:lightRig rig="threePt" dir="t">
-              <a:rot lat="0" lon="0" rev="1200000"/>
-            </a:lightRig>
-          </a:scene3d>
-          <a:sp3d>
-            <a:bevelT w="63500" h="25400"/>
-          </a:sp3d>
-        </a:effectStyle>
-      </a:effectStyleLst>
-      <a:bgFillStyleLst>
-        <a:solidFill>
-          <a:schemeClr val="phClr"/>
-        </a:solidFill>
-        <a:gradFill rotWithShape="1">
-          <a:gsLst>
-            <a:gs pos="0">
-              <a:schemeClr val="phClr">
-                <a:tint val="40000"/>
-                <a:satMod val="350000"/>
-              </a:schemeClr>
-            </a:gs>
-            <a:gs pos="40000">
-              <a:schemeClr val="phClr">
-                <a:tint val="45000"/>
-                <a:shade val="99000"/>
-                <a:satMod val="350000"/>
-              </a:schemeClr>
-            </a:gs>
-            <a:gs pos="100000">
-              <a:schemeClr val="phClr">
-                <a:shade val="20000"/>
-                <a:satMod val="255000"/>
-              </a:schemeClr>
-            </a:gs>
-          </a:gsLst>
-          <a:path path="circle">
-            <a:fillToRect l="50000" t="-80000" r="50000" b="180000"/>
-          </a:path>
-        </a:gradFill>
-        <a:gradFill rotWithShape="1">
-          <a:gsLst>
-            <a:gs pos="0">
-              <a:schemeClr val="phClr">
-                <a:tint val="80000"/>
-                <a:satMod val="300000"/>
-              </a:schemeClr>
-            </a:gs>
-            <a:gs pos="100000">
-              <a:schemeClr val="phClr">
-                <a:shade val="30000"/>
-                <a:satMod val="200000"/>
-              </a:schemeClr>
-            </a:gs>
-          </a:gsLst>
-          <a:path path="circle">
-            <a:fillToRect l="50000" t="50000" r="50000" b="50000"/>
-          </a:path>
-        </a:gradFill>
-      </a:bgFillStyleLst>
-    </a:fmtScheme>
-  </a:themeElements>
-</a:theme>
 </file>